--- a/Design_Pattern.pptx
+++ b/Design_Pattern.pptx
@@ -9,6 +9,9 @@
     <p:sldId id="259" r:id="rId3"/>
     <p:sldId id="258" r:id="rId4"/>
     <p:sldId id="260" r:id="rId5"/>
+    <p:sldId id="262" r:id="rId6"/>
+    <p:sldId id="263" r:id="rId7"/>
+    <p:sldId id="264" r:id="rId8"/>
   </p:sldIdLst>
   <p:sldSz cx="12192000" cy="6858000"/>
   <p:notesSz cx="6858000" cy="9144000"/>
@@ -122,7 +125,17 @@
             <p14:sldId id="260"/>
           </p14:sldIdLst>
         </p14:section>
+        <p14:section name="구조 패턴" id="{CC68EAFC-A161-4EE2-B7CA-31E4E6B7A913}">
+          <p14:sldIdLst>
+            <p14:sldId id="262"/>
+            <p14:sldId id="263"/>
+            <p14:sldId id="264"/>
+          </p14:sldIdLst>
+        </p14:section>
       </p14:sectionLst>
+    </p:ext>
+    <p:ext uri="{EFAFB233-063F-42B5-8137-9DF3F51BA10A}">
+      <p15:sldGuideLst xmlns:p15="http://schemas.microsoft.com/office/powerpoint/2012/main"/>
     </p:ext>
   </p:extLst>
 </p:presentation>
@@ -4000,7 +4013,7 @@
           <a:p>
             <a:pPr algn="ctr"/>
             <a:r>
-              <a:rPr lang="ko-KR" altLang="en-US" sz="6600" dirty="0"/>
+              <a:rPr lang="ko-KR" altLang="en-US" sz="5400" dirty="0"/>
               <a:t>패턴의 종류</a:t>
             </a:r>
           </a:p>
@@ -4328,24 +4341,29 @@
         <p:spPr>
           <a:xfrm>
             <a:off x="1371600" y="685800"/>
-            <a:ext cx="9601200" cy="1210112"/>
+            <a:ext cx="9867900" cy="1210112"/>
           </a:xfrm>
         </p:spPr>
         <p:txBody>
           <a:bodyPr>
-            <a:normAutofit/>
+            <a:noAutofit/>
           </a:bodyPr>
           <a:lstStyle/>
           <a:p>
             <a:pPr algn="ctr"/>
             <a:r>
-              <a:rPr lang="ko-KR" altLang="en-US" sz="6600" dirty="0" err="1"/>
+              <a:rPr lang="ko-KR" altLang="en-US" sz="5400" dirty="0" err="1"/>
               <a:t>팩토리</a:t>
             </a:r>
             <a:r>
-              <a:rPr lang="ko-KR" altLang="en-US" sz="6600" dirty="0"/>
+              <a:rPr lang="ko-KR" altLang="en-US" sz="5400" dirty="0"/>
               <a:t> 메소드</a:t>
             </a:r>
+            <a:r>
+              <a:rPr lang="en-US" altLang="ko-KR" sz="5400" dirty="0"/>
+              <a:t>(Factory Method)</a:t>
+            </a:r>
+            <a:endParaRPr lang="ko-KR" altLang="en-US" sz="5400" dirty="0"/>
           </a:p>
         </p:txBody>
       </p:sp>
@@ -4413,7 +4431,15 @@
             </a:r>
             <a:r>
               <a:rPr lang="ko-KR" altLang="en-US" dirty="0"/>
-              <a:t>자체에는 어떤 객체를 생성할지 구현을 안하고 상속하는 그 클래스를 상속하는 구상클래스에서 내용을 정의한다</a:t>
+              <a:t>자체에는 어떤 객체를 생성할지 구현을 안하고</a:t>
+            </a:r>
+            <a:r>
+              <a:rPr lang="en-US" altLang="ko-KR" dirty="0"/>
+              <a:t>,</a:t>
+            </a:r>
+            <a:r>
+              <a:rPr lang="ko-KR" altLang="en-US" dirty="0"/>
+              <a:t> 상속하는 구상클래스에서 내용을 정의한다</a:t>
             </a:r>
             <a:r>
               <a:rPr lang="en-US" altLang="ko-KR" dirty="0"/>
@@ -4528,7 +4554,7 @@
             </a:r>
             <a:r>
               <a:rPr lang="ko-KR" altLang="en-US" dirty="0"/>
-              <a:t> 메소드의 </a:t>
+              <a:t> 메소드 패턴의 </a:t>
             </a:r>
             <a:r>
               <a:rPr lang="en-US" altLang="ko-KR" dirty="0"/>
@@ -4598,14 +4624,18 @@
           <a:p>
             <a:pPr algn="ctr"/>
             <a:r>
-              <a:rPr lang="ko-KR" altLang="en-US" sz="6600" dirty="0"/>
+              <a:rPr lang="ko-KR" altLang="en-US" sz="5400" dirty="0"/>
               <a:t>추상 </a:t>
             </a:r>
             <a:r>
-              <a:rPr lang="ko-KR" altLang="en-US" sz="6600" dirty="0" err="1"/>
+              <a:rPr lang="ko-KR" altLang="en-US" sz="5400" dirty="0" err="1"/>
               <a:t>팩토리</a:t>
             </a:r>
-            <a:endParaRPr lang="ko-KR" altLang="en-US" sz="6600" dirty="0"/>
+            <a:r>
+              <a:rPr lang="en-US" altLang="ko-KR" sz="5400" dirty="0"/>
+              <a:t>(Abstract Factory)</a:t>
+            </a:r>
+            <a:endParaRPr lang="ko-KR" altLang="en-US" sz="5400" dirty="0"/>
           </a:p>
         </p:txBody>
       </p:sp>
@@ -4779,11 +4809,11 @@
             </a:r>
             <a:r>
               <a:rPr lang="ko-KR" altLang="en-US" dirty="0" err="1"/>
-              <a:t>팩토리의</a:t>
-            </a:r>
-            <a:r>
-              <a:rPr lang="ko-KR" altLang="en-US" dirty="0"/>
-              <a:t> </a:t>
+              <a:t>팩토리</a:t>
+            </a:r>
+            <a:r>
+              <a:rPr lang="ko-KR" altLang="en-US" dirty="0"/>
+              <a:t> 패턴의 </a:t>
             </a:r>
             <a:r>
               <a:rPr lang="en-US" altLang="ko-KR" dirty="0"/>
@@ -4833,6 +4863,996 @@
     <p:extLst>
       <p:ext uri="{BB962C8B-B14F-4D97-AF65-F5344CB8AC3E}">
         <p14:creationId xmlns:p14="http://schemas.microsoft.com/office/powerpoint/2010/main" val="1246208251"/>
+      </p:ext>
+    </p:extLst>
+  </p:cSld>
+  <p:clrMapOvr>
+    <a:masterClrMapping/>
+  </p:clrMapOvr>
+</p:sld>
+</file>
+
+<file path=ppt/slides/slide5.xml><?xml version="1.0" encoding="utf-8"?>
+<p:sld xmlns:a="http://schemas.openxmlformats.org/drawingml/2006/main" xmlns:r="http://schemas.openxmlformats.org/officeDocument/2006/relationships" xmlns:p="http://schemas.openxmlformats.org/presentationml/2006/main">
+  <p:cSld>
+    <p:spTree>
+      <p:nvGrpSpPr>
+        <p:cNvPr id="1" name=""/>
+        <p:cNvGrpSpPr/>
+        <p:nvPr/>
+      </p:nvGrpSpPr>
+      <p:grpSpPr>
+        <a:xfrm>
+          <a:off x="0" y="0"/>
+          <a:ext cx="0" cy="0"/>
+          <a:chOff x="0" y="0"/>
+          <a:chExt cx="0" cy="0"/>
+        </a:xfrm>
+      </p:grpSpPr>
+      <p:sp>
+        <p:nvSpPr>
+          <p:cNvPr id="2" name="제목 1">
+            <a:extLst>
+              <a:ext uri="{FF2B5EF4-FFF2-40B4-BE49-F238E27FC236}">
+                <a16:creationId xmlns:a16="http://schemas.microsoft.com/office/drawing/2014/main" id="{8949615D-8BA6-46EB-B020-62AD07C37D1E}"/>
+              </a:ext>
+            </a:extLst>
+          </p:cNvPr>
+          <p:cNvSpPr>
+            <a:spLocks noGrp="1"/>
+          </p:cNvSpPr>
+          <p:nvPr>
+            <p:ph type="title"/>
+          </p:nvPr>
+        </p:nvSpPr>
+        <p:spPr>
+          <a:xfrm>
+            <a:off x="1371600" y="685800"/>
+            <a:ext cx="9601200" cy="1210112"/>
+          </a:xfrm>
+        </p:spPr>
+        <p:txBody>
+          <a:bodyPr>
+            <a:normAutofit/>
+          </a:bodyPr>
+          <a:lstStyle/>
+          <a:p>
+            <a:pPr algn="ctr"/>
+            <a:r>
+              <a:rPr lang="ko-KR" altLang="en-US" sz="5400" dirty="0" err="1"/>
+              <a:t>장식자</a:t>
+            </a:r>
+            <a:r>
+              <a:rPr lang="en-US" altLang="ko-KR" sz="5400" dirty="0"/>
+              <a:t>(Decorator)</a:t>
+            </a:r>
+            <a:endParaRPr lang="ko-KR" altLang="en-US" sz="5400" dirty="0"/>
+          </a:p>
+        </p:txBody>
+      </p:sp>
+      <p:sp>
+        <p:nvSpPr>
+          <p:cNvPr id="7" name="내용 개체 틀 6">
+            <a:extLst>
+              <a:ext uri="{FF2B5EF4-FFF2-40B4-BE49-F238E27FC236}">
+                <a16:creationId xmlns:a16="http://schemas.microsoft.com/office/drawing/2014/main" id="{06942630-B531-4F09-9F62-8F7803A5931A}"/>
+              </a:ext>
+            </a:extLst>
+          </p:cNvPr>
+          <p:cNvSpPr>
+            <a:spLocks noGrp="1"/>
+          </p:cNvSpPr>
+          <p:nvPr>
+            <p:ph idx="1"/>
+          </p:nvPr>
+        </p:nvSpPr>
+        <p:spPr>
+          <a:xfrm>
+            <a:off x="1371600" y="1786856"/>
+            <a:ext cx="9601200" cy="1156356"/>
+          </a:xfrm>
+        </p:spPr>
+        <p:txBody>
+          <a:bodyPr/>
+          <a:lstStyle/>
+          <a:p>
+            <a:pPr marL="0" indent="0">
+              <a:buNone/>
+            </a:pPr>
+            <a:r>
+              <a:rPr lang="ko-KR" altLang="en-US" dirty="0" err="1"/>
+              <a:t>데코레이터</a:t>
+            </a:r>
+            <a:r>
+              <a:rPr lang="ko-KR" altLang="en-US" dirty="0"/>
+              <a:t> 패턴은 객체의 추가적인 요건을 동적으로 추가한다</a:t>
+            </a:r>
+            <a:r>
+              <a:rPr lang="en-US" altLang="ko-KR" dirty="0"/>
+              <a:t>.</a:t>
+            </a:r>
+          </a:p>
+          <a:p>
+            <a:pPr marL="0" indent="0">
+              <a:buNone/>
+            </a:pPr>
+            <a:r>
+              <a:rPr lang="ko-KR" altLang="en-US" dirty="0"/>
+              <a:t>객체의 구상 구성요소를 감싸주는 </a:t>
+            </a:r>
+            <a:r>
+              <a:rPr lang="ko-KR" altLang="en-US" dirty="0" err="1"/>
+              <a:t>데코레이터를</a:t>
+            </a:r>
+            <a:r>
+              <a:rPr lang="ko-KR" altLang="en-US" dirty="0"/>
+              <a:t> 사용함으로써</a:t>
+            </a:r>
+            <a:r>
+              <a:rPr lang="en-US" altLang="ko-KR" dirty="0"/>
+              <a:t>, </a:t>
+            </a:r>
+            <a:r>
+              <a:rPr lang="ko-KR" altLang="en-US" dirty="0"/>
+              <a:t>상속을 통해 객체를 확장하는 것 보다 더 간단하게 객체를 구성할 수 있다</a:t>
+            </a:r>
+            <a:r>
+              <a:rPr lang="en-US" altLang="ko-KR" dirty="0"/>
+              <a:t>.</a:t>
+            </a:r>
+            <a:endParaRPr lang="ko-KR" altLang="en-US" dirty="0"/>
+          </a:p>
+        </p:txBody>
+      </p:sp>
+      <p:sp>
+        <p:nvSpPr>
+          <p:cNvPr id="10" name="TextBox 9">
+            <a:extLst>
+              <a:ext uri="{FF2B5EF4-FFF2-40B4-BE49-F238E27FC236}">
+                <a16:creationId xmlns:a16="http://schemas.microsoft.com/office/drawing/2014/main" id="{783F64CF-0F1F-471C-B04C-E7619B5AA4F0}"/>
+              </a:ext>
+            </a:extLst>
+          </p:cNvPr>
+          <p:cNvSpPr txBox="1"/>
+          <p:nvPr/>
+        </p:nvSpPr>
+        <p:spPr>
+          <a:xfrm>
+            <a:off x="7162858" y="6365506"/>
+            <a:ext cx="4492487" cy="369332"/>
+          </a:xfrm>
+          <a:prstGeom prst="rect">
+            <a:avLst/>
+          </a:prstGeom>
+          <a:noFill/>
+        </p:spPr>
+        <p:txBody>
+          <a:bodyPr wrap="square" rtlCol="0">
+            <a:spAutoFit/>
+          </a:bodyPr>
+          <a:lstStyle/>
+          <a:p>
+            <a:pPr algn="ctr"/>
+            <a:r>
+              <a:rPr lang="ko-KR" altLang="en-US" dirty="0"/>
+              <a:t>△</a:t>
+            </a:r>
+            <a:r>
+              <a:rPr lang="ko-KR" altLang="en-US" dirty="0" err="1"/>
+              <a:t>데코레이터</a:t>
+            </a:r>
+            <a:r>
+              <a:rPr lang="en-US" altLang="ko-KR" dirty="0"/>
+              <a:t> </a:t>
+            </a:r>
+            <a:r>
+              <a:rPr lang="ko-KR" altLang="en-US" dirty="0"/>
+              <a:t>패턴의 </a:t>
+            </a:r>
+            <a:r>
+              <a:rPr lang="en-US" altLang="ko-KR" dirty="0"/>
+              <a:t>Class Diagram</a:t>
+            </a:r>
+            <a:endParaRPr lang="ko-KR" altLang="en-US" dirty="0"/>
+          </a:p>
+        </p:txBody>
+      </p:sp>
+      <p:pic>
+        <p:nvPicPr>
+          <p:cNvPr id="11" name="그림 10">
+            <a:extLst>
+              <a:ext uri="{FF2B5EF4-FFF2-40B4-BE49-F238E27FC236}">
+                <a16:creationId xmlns:a16="http://schemas.microsoft.com/office/drawing/2014/main" id="{4EDEAF59-D13B-476D-AE3B-A3D54D3081CF}"/>
+              </a:ext>
+            </a:extLst>
+          </p:cNvPr>
+          <p:cNvPicPr>
+            <a:picLocks noChangeAspect="1"/>
+          </p:cNvPicPr>
+          <p:nvPr/>
+        </p:nvPicPr>
+        <p:blipFill>
+          <a:blip r:embed="rId2">
+            <a:extLst>
+              <a:ext uri="{28A0092B-C50C-407E-A947-70E740481C1C}">
+                <a14:useLocalDpi xmlns:a14="http://schemas.microsoft.com/office/drawing/2010/main" val="0"/>
+              </a:ext>
+            </a:extLst>
+          </a:blip>
+          <a:stretch>
+            <a:fillRect/>
+          </a:stretch>
+        </p:blipFill>
+        <p:spPr>
+          <a:xfrm>
+            <a:off x="6999874" y="2943211"/>
+            <a:ext cx="4818456" cy="3422295"/>
+          </a:xfrm>
+          <a:prstGeom prst="rect">
+            <a:avLst/>
+          </a:prstGeom>
+        </p:spPr>
+      </p:pic>
+      <p:sp>
+        <p:nvSpPr>
+          <p:cNvPr id="12" name="TextBox 11">
+            <a:extLst>
+              <a:ext uri="{FF2B5EF4-FFF2-40B4-BE49-F238E27FC236}">
+                <a16:creationId xmlns:a16="http://schemas.microsoft.com/office/drawing/2014/main" id="{86696328-3C1A-4963-88BA-FC8E7228F801}"/>
+              </a:ext>
+            </a:extLst>
+          </p:cNvPr>
+          <p:cNvSpPr txBox="1"/>
+          <p:nvPr/>
+        </p:nvSpPr>
+        <p:spPr>
+          <a:xfrm>
+            <a:off x="1371600" y="2841610"/>
+            <a:ext cx="5513973" cy="2862322"/>
+          </a:xfrm>
+          <a:prstGeom prst="rect">
+            <a:avLst/>
+          </a:prstGeom>
+          <a:noFill/>
+        </p:spPr>
+        <p:txBody>
+          <a:bodyPr wrap="square" rtlCol="0">
+            <a:spAutoFit/>
+          </a:bodyPr>
+          <a:lstStyle/>
+          <a:p>
+            <a:r>
+              <a:rPr lang="ko-KR" altLang="en-US" sz="2000" dirty="0" err="1"/>
+              <a:t>데코레이터</a:t>
+            </a:r>
+            <a:r>
+              <a:rPr lang="ko-KR" altLang="en-US" sz="2000" dirty="0"/>
+              <a:t> 의 형식은 클래스가 감싸고 있는 클래스의 형식을 반영하지만</a:t>
+            </a:r>
+            <a:r>
+              <a:rPr lang="en-US" altLang="ko-KR" sz="2000" dirty="0"/>
+              <a:t>, </a:t>
+            </a:r>
+            <a:r>
+              <a:rPr lang="ko-KR" altLang="en-US" sz="2000" dirty="0" err="1"/>
+              <a:t>데코레이터</a:t>
+            </a:r>
+            <a:r>
+              <a:rPr lang="ko-KR" altLang="en-US" sz="2000" dirty="0"/>
+              <a:t> 안에 있는 객체들을 기존 코드를 수정하지않고 새로운 행동을 정의하는 것도 가능하다</a:t>
+            </a:r>
+            <a:r>
+              <a:rPr lang="en-US" altLang="ko-KR" sz="2000" dirty="0"/>
+              <a:t>.</a:t>
+            </a:r>
+          </a:p>
+          <a:p>
+            <a:r>
+              <a:rPr lang="ko-KR" altLang="en-US" sz="2000" dirty="0"/>
+              <a:t>너무 많은 요소들을 </a:t>
+            </a:r>
+            <a:r>
+              <a:rPr lang="ko-KR" altLang="en-US" sz="2000" dirty="0" err="1"/>
+              <a:t>데코레이터로</a:t>
+            </a:r>
+            <a:r>
+              <a:rPr lang="ko-KR" altLang="en-US" sz="2000" dirty="0"/>
+              <a:t> 감싸게 되면</a:t>
+            </a:r>
+            <a:r>
+              <a:rPr lang="en-US" altLang="ko-KR" sz="2000" dirty="0"/>
+              <a:t>,</a:t>
+            </a:r>
+          </a:p>
+          <a:p>
+            <a:r>
+              <a:rPr lang="ko-KR" altLang="en-US" sz="2000" dirty="0"/>
+              <a:t>현재 클라이언트는 그 안에 어떤 객체들이 있는지 파악하기가 어려우며</a:t>
+            </a:r>
+            <a:r>
+              <a:rPr lang="en-US" altLang="ko-KR" sz="2000" dirty="0"/>
+              <a:t>, </a:t>
+            </a:r>
+            <a:r>
+              <a:rPr lang="ko-KR" altLang="en-US" sz="2000" dirty="0"/>
+              <a:t>자잘한 객체들이 많아 짐으로써</a:t>
+            </a:r>
+            <a:r>
+              <a:rPr lang="en-US" altLang="ko-KR" sz="2000" dirty="0"/>
+              <a:t>, </a:t>
+            </a:r>
+            <a:r>
+              <a:rPr lang="ko-KR" altLang="en-US" sz="2000" dirty="0"/>
+              <a:t>코드가 필요 이상으로 복잡해 질 수도 있다</a:t>
+            </a:r>
+            <a:r>
+              <a:rPr lang="en-US" altLang="ko-KR" sz="2000" dirty="0"/>
+              <a:t>.</a:t>
+            </a:r>
+            <a:endParaRPr lang="ko-KR" altLang="en-US" sz="2000" dirty="0"/>
+          </a:p>
+        </p:txBody>
+      </p:sp>
+    </p:spTree>
+    <p:extLst>
+      <p:ext uri="{BB962C8B-B14F-4D97-AF65-F5344CB8AC3E}">
+        <p14:creationId xmlns:p14="http://schemas.microsoft.com/office/powerpoint/2010/main" val="1343019743"/>
+      </p:ext>
+    </p:extLst>
+  </p:cSld>
+  <p:clrMapOvr>
+    <a:masterClrMapping/>
+  </p:clrMapOvr>
+</p:sld>
+</file>
+
+<file path=ppt/slides/slide6.xml><?xml version="1.0" encoding="utf-8"?>
+<p:sld xmlns:a="http://schemas.openxmlformats.org/drawingml/2006/main" xmlns:r="http://schemas.openxmlformats.org/officeDocument/2006/relationships" xmlns:p="http://schemas.openxmlformats.org/presentationml/2006/main">
+  <p:cSld>
+    <p:spTree>
+      <p:nvGrpSpPr>
+        <p:cNvPr id="1" name=""/>
+        <p:cNvGrpSpPr/>
+        <p:nvPr/>
+      </p:nvGrpSpPr>
+      <p:grpSpPr>
+        <a:xfrm>
+          <a:off x="0" y="0"/>
+          <a:ext cx="0" cy="0"/>
+          <a:chOff x="0" y="0"/>
+          <a:chExt cx="0" cy="0"/>
+        </a:xfrm>
+      </p:grpSpPr>
+      <p:sp>
+        <p:nvSpPr>
+          <p:cNvPr id="2" name="제목 1">
+            <a:extLst>
+              <a:ext uri="{FF2B5EF4-FFF2-40B4-BE49-F238E27FC236}">
+                <a16:creationId xmlns:a16="http://schemas.microsoft.com/office/drawing/2014/main" id="{8949615D-8BA6-46EB-B020-62AD07C37D1E}"/>
+              </a:ext>
+            </a:extLst>
+          </p:cNvPr>
+          <p:cNvSpPr>
+            <a:spLocks noGrp="1"/>
+          </p:cNvSpPr>
+          <p:nvPr>
+            <p:ph type="title"/>
+          </p:nvPr>
+        </p:nvSpPr>
+        <p:spPr>
+          <a:xfrm>
+            <a:off x="1371600" y="685800"/>
+            <a:ext cx="9601200" cy="1210112"/>
+          </a:xfrm>
+        </p:spPr>
+        <p:txBody>
+          <a:bodyPr>
+            <a:normAutofit/>
+          </a:bodyPr>
+          <a:lstStyle/>
+          <a:p>
+            <a:pPr algn="ctr"/>
+            <a:r>
+              <a:rPr lang="ko-KR" altLang="en-US" sz="5400" dirty="0" err="1"/>
+              <a:t>적응자</a:t>
+            </a:r>
+            <a:r>
+              <a:rPr lang="en-US" altLang="ko-KR" sz="5400" dirty="0"/>
+              <a:t>(Adapter)</a:t>
+            </a:r>
+            <a:endParaRPr lang="ko-KR" altLang="en-US" sz="5400" dirty="0"/>
+          </a:p>
+        </p:txBody>
+      </p:sp>
+      <p:sp>
+        <p:nvSpPr>
+          <p:cNvPr id="7" name="내용 개체 틀 6">
+            <a:extLst>
+              <a:ext uri="{FF2B5EF4-FFF2-40B4-BE49-F238E27FC236}">
+                <a16:creationId xmlns:a16="http://schemas.microsoft.com/office/drawing/2014/main" id="{06942630-B531-4F09-9F62-8F7803A5931A}"/>
+              </a:ext>
+            </a:extLst>
+          </p:cNvPr>
+          <p:cNvSpPr>
+            <a:spLocks noGrp="1"/>
+          </p:cNvSpPr>
+          <p:nvPr>
+            <p:ph idx="1"/>
+          </p:nvPr>
+        </p:nvSpPr>
+        <p:spPr>
+          <a:xfrm>
+            <a:off x="1371600" y="1786856"/>
+            <a:ext cx="9601200" cy="4578650"/>
+          </a:xfrm>
+        </p:spPr>
+        <p:txBody>
+          <a:bodyPr/>
+          <a:lstStyle/>
+          <a:p>
+            <a:pPr marL="0" indent="0">
+              <a:buNone/>
+            </a:pPr>
+            <a:r>
+              <a:rPr lang="ko-KR" altLang="en-US" dirty="0"/>
+              <a:t>어댑터 패턴은 한 클래스의 인터페이스를 클라이언트에서 사용하고자 하는 다른 인터페이스로 변환한다</a:t>
+            </a:r>
+            <a:r>
+              <a:rPr lang="en-US" altLang="ko-KR" dirty="0"/>
+              <a:t>. </a:t>
+            </a:r>
+            <a:r>
+              <a:rPr lang="ko-KR" altLang="en-US" dirty="0"/>
+              <a:t>어댑터를 통해 인터페이스가 달라서 같이 사용할 수 없는 클래스를 연결해서 쓸 수 있다</a:t>
+            </a:r>
+            <a:r>
+              <a:rPr lang="en-US" altLang="ko-KR" dirty="0"/>
+              <a:t>.</a:t>
+            </a:r>
+          </a:p>
+          <a:p>
+            <a:pPr marL="0" indent="0">
+              <a:buNone/>
+            </a:pPr>
+            <a:r>
+              <a:rPr lang="ko-KR" altLang="en-US" dirty="0"/>
+              <a:t>어댑터 패턴은 두 종류가 있는데</a:t>
+            </a:r>
+            <a:r>
+              <a:rPr lang="en-US" altLang="ko-KR" dirty="0"/>
+              <a:t>, </a:t>
+            </a:r>
+            <a:r>
+              <a:rPr lang="ko-KR" altLang="en-US" dirty="0"/>
+              <a:t>하나는 클래스 어댑터 패턴이고</a:t>
+            </a:r>
+            <a:r>
+              <a:rPr lang="en-US" altLang="ko-KR" dirty="0"/>
+              <a:t>, </a:t>
+            </a:r>
+            <a:r>
+              <a:rPr lang="ko-KR" altLang="en-US" dirty="0"/>
+              <a:t>다른 하나는 객체 어댑터 패턴이 이다</a:t>
+            </a:r>
+            <a:r>
+              <a:rPr lang="en-US" altLang="ko-KR" dirty="0"/>
+              <a:t>.</a:t>
+            </a:r>
+          </a:p>
+          <a:p>
+            <a:pPr marL="0" indent="0">
+              <a:buNone/>
+            </a:pPr>
+            <a:r>
+              <a:rPr lang="ko-KR" altLang="en-US" dirty="0"/>
+              <a:t>클래스 어댑터 패턴은 어댑터 패턴을 다중 상속을 활용하여 구성하는 방식이고</a:t>
+            </a:r>
+            <a:r>
+              <a:rPr lang="en-US" altLang="ko-KR" dirty="0"/>
+              <a:t>,</a:t>
+            </a:r>
+          </a:p>
+          <a:p>
+            <a:pPr marL="0" indent="0">
+              <a:buNone/>
+            </a:pPr>
+            <a:r>
+              <a:rPr lang="ko-KR" altLang="en-US" dirty="0"/>
+              <a:t>객체 어댑터 패턴은 </a:t>
+            </a:r>
+            <a:r>
+              <a:rPr lang="en-US" altLang="ko-KR" dirty="0" err="1"/>
+              <a:t>Adaptee</a:t>
+            </a:r>
+            <a:r>
+              <a:rPr lang="ko-KR" altLang="en-US" dirty="0"/>
+              <a:t>을 객체구성을 통해 만든 구조이다</a:t>
+            </a:r>
+            <a:r>
+              <a:rPr lang="en-US" altLang="ko-KR" dirty="0"/>
+              <a:t>.</a:t>
+            </a:r>
+            <a:endParaRPr lang="ko-KR" altLang="en-US" dirty="0"/>
+          </a:p>
+        </p:txBody>
+      </p:sp>
+      <p:sp>
+        <p:nvSpPr>
+          <p:cNvPr id="10" name="TextBox 9">
+            <a:extLst>
+              <a:ext uri="{FF2B5EF4-FFF2-40B4-BE49-F238E27FC236}">
+                <a16:creationId xmlns:a16="http://schemas.microsoft.com/office/drawing/2014/main" id="{783F64CF-0F1F-471C-B04C-E7619B5AA4F0}"/>
+              </a:ext>
+            </a:extLst>
+          </p:cNvPr>
+          <p:cNvSpPr txBox="1"/>
+          <p:nvPr/>
+        </p:nvSpPr>
+        <p:spPr>
+          <a:xfrm>
+            <a:off x="1227015" y="6162306"/>
+            <a:ext cx="4492487" cy="369332"/>
+          </a:xfrm>
+          <a:prstGeom prst="rect">
+            <a:avLst/>
+          </a:prstGeom>
+          <a:noFill/>
+        </p:spPr>
+        <p:txBody>
+          <a:bodyPr wrap="square" rtlCol="0">
+            <a:spAutoFit/>
+          </a:bodyPr>
+          <a:lstStyle/>
+          <a:p>
+            <a:pPr algn="ctr"/>
+            <a:r>
+              <a:rPr lang="ko-KR" altLang="en-US" dirty="0"/>
+              <a:t>△클래스 어댑터패턴의 </a:t>
+            </a:r>
+            <a:r>
+              <a:rPr lang="en-US" altLang="ko-KR" dirty="0"/>
+              <a:t>Class Diagram</a:t>
+            </a:r>
+            <a:endParaRPr lang="ko-KR" altLang="en-US" dirty="0"/>
+          </a:p>
+        </p:txBody>
+      </p:sp>
+      <p:pic>
+        <p:nvPicPr>
+          <p:cNvPr id="13" name="그림 12">
+            <a:extLst>
+              <a:ext uri="{FF2B5EF4-FFF2-40B4-BE49-F238E27FC236}">
+                <a16:creationId xmlns:a16="http://schemas.microsoft.com/office/drawing/2014/main" id="{5E6DC11C-8584-4837-AE72-100048AE30A4}"/>
+              </a:ext>
+            </a:extLst>
+          </p:cNvPr>
+          <p:cNvPicPr>
+            <a:picLocks noChangeAspect="1"/>
+          </p:cNvPicPr>
+          <p:nvPr/>
+        </p:nvPicPr>
+        <p:blipFill>
+          <a:blip r:embed="rId2">
+            <a:extLst>
+              <a:ext uri="{28A0092B-C50C-407E-A947-70E740481C1C}">
+                <a14:useLocalDpi xmlns:a14="http://schemas.microsoft.com/office/drawing/2010/main" val="0"/>
+              </a:ext>
+            </a:extLst>
+          </a:blip>
+          <a:stretch>
+            <a:fillRect/>
+          </a:stretch>
+        </p:blipFill>
+        <p:spPr>
+          <a:xfrm>
+            <a:off x="1688719" y="4338394"/>
+            <a:ext cx="3569081" cy="1766695"/>
+          </a:xfrm>
+          <a:prstGeom prst="rect">
+            <a:avLst/>
+          </a:prstGeom>
+        </p:spPr>
+      </p:pic>
+      <p:pic>
+        <p:nvPicPr>
+          <p:cNvPr id="4" name="그림 3">
+            <a:extLst>
+              <a:ext uri="{FF2B5EF4-FFF2-40B4-BE49-F238E27FC236}">
+                <a16:creationId xmlns:a16="http://schemas.microsoft.com/office/drawing/2014/main" id="{78662FF8-0512-47F2-9788-DB047A6CE508}"/>
+              </a:ext>
+            </a:extLst>
+          </p:cNvPr>
+          <p:cNvPicPr>
+            <a:picLocks noChangeAspect="1"/>
+          </p:cNvPicPr>
+          <p:nvPr/>
+        </p:nvPicPr>
+        <p:blipFill>
+          <a:blip r:embed="rId3">
+            <a:extLst>
+              <a:ext uri="{28A0092B-C50C-407E-A947-70E740481C1C}">
+                <a14:useLocalDpi xmlns:a14="http://schemas.microsoft.com/office/drawing/2010/main" val="0"/>
+              </a:ext>
+            </a:extLst>
+          </a:blip>
+          <a:stretch>
+            <a:fillRect/>
+          </a:stretch>
+        </p:blipFill>
+        <p:spPr>
+          <a:xfrm>
+            <a:off x="6556063" y="4338393"/>
+            <a:ext cx="4416737" cy="1766695"/>
+          </a:xfrm>
+          <a:prstGeom prst="rect">
+            <a:avLst/>
+          </a:prstGeom>
+        </p:spPr>
+      </p:pic>
+      <p:sp>
+        <p:nvSpPr>
+          <p:cNvPr id="14" name="TextBox 13">
+            <a:extLst>
+              <a:ext uri="{FF2B5EF4-FFF2-40B4-BE49-F238E27FC236}">
+                <a16:creationId xmlns:a16="http://schemas.microsoft.com/office/drawing/2014/main" id="{20866A31-7931-4511-BE17-317806D0263F}"/>
+              </a:ext>
+            </a:extLst>
+          </p:cNvPr>
+          <p:cNvSpPr txBox="1"/>
+          <p:nvPr/>
+        </p:nvSpPr>
+        <p:spPr>
+          <a:xfrm>
+            <a:off x="6518187" y="6162306"/>
+            <a:ext cx="4492487" cy="369332"/>
+          </a:xfrm>
+          <a:prstGeom prst="rect">
+            <a:avLst/>
+          </a:prstGeom>
+          <a:noFill/>
+        </p:spPr>
+        <p:txBody>
+          <a:bodyPr wrap="square" rtlCol="0">
+            <a:spAutoFit/>
+          </a:bodyPr>
+          <a:lstStyle/>
+          <a:p>
+            <a:pPr algn="ctr"/>
+            <a:r>
+              <a:rPr lang="ko-KR" altLang="en-US" dirty="0"/>
+              <a:t>△객체 어댑터패턴의 </a:t>
+            </a:r>
+            <a:r>
+              <a:rPr lang="en-US" altLang="ko-KR" dirty="0"/>
+              <a:t>Class Diagram</a:t>
+            </a:r>
+            <a:endParaRPr lang="ko-KR" altLang="en-US" dirty="0"/>
+          </a:p>
+        </p:txBody>
+      </p:sp>
+    </p:spTree>
+    <p:extLst>
+      <p:ext uri="{BB962C8B-B14F-4D97-AF65-F5344CB8AC3E}">
+        <p14:creationId xmlns:p14="http://schemas.microsoft.com/office/powerpoint/2010/main" val="1959284459"/>
+      </p:ext>
+    </p:extLst>
+  </p:cSld>
+  <p:clrMapOvr>
+    <a:masterClrMapping/>
+  </p:clrMapOvr>
+</p:sld>
+</file>
+
+<file path=ppt/slides/slide7.xml><?xml version="1.0" encoding="utf-8"?>
+<p:sld xmlns:a="http://schemas.openxmlformats.org/drawingml/2006/main" xmlns:r="http://schemas.openxmlformats.org/officeDocument/2006/relationships" xmlns:p="http://schemas.openxmlformats.org/presentationml/2006/main">
+  <p:cSld>
+    <p:spTree>
+      <p:nvGrpSpPr>
+        <p:cNvPr id="1" name=""/>
+        <p:cNvGrpSpPr/>
+        <p:nvPr/>
+      </p:nvGrpSpPr>
+      <p:grpSpPr>
+        <a:xfrm>
+          <a:off x="0" y="0"/>
+          <a:ext cx="0" cy="0"/>
+          <a:chOff x="0" y="0"/>
+          <a:chExt cx="0" cy="0"/>
+        </a:xfrm>
+      </p:grpSpPr>
+      <p:sp>
+        <p:nvSpPr>
+          <p:cNvPr id="2" name="제목 1">
+            <a:extLst>
+              <a:ext uri="{FF2B5EF4-FFF2-40B4-BE49-F238E27FC236}">
+                <a16:creationId xmlns:a16="http://schemas.microsoft.com/office/drawing/2014/main" id="{8949615D-8BA6-46EB-B020-62AD07C37D1E}"/>
+              </a:ext>
+            </a:extLst>
+          </p:cNvPr>
+          <p:cNvSpPr>
+            <a:spLocks noGrp="1"/>
+          </p:cNvSpPr>
+          <p:nvPr>
+            <p:ph type="title"/>
+          </p:nvPr>
+        </p:nvSpPr>
+        <p:spPr>
+          <a:xfrm>
+            <a:off x="1371600" y="685800"/>
+            <a:ext cx="9601200" cy="1210112"/>
+          </a:xfrm>
+        </p:spPr>
+        <p:txBody>
+          <a:bodyPr>
+            <a:normAutofit/>
+          </a:bodyPr>
+          <a:lstStyle/>
+          <a:p>
+            <a:pPr algn="ctr"/>
+            <a:r>
+              <a:rPr lang="ko-KR" altLang="en-US" sz="5400" dirty="0"/>
+              <a:t>프록시</a:t>
+            </a:r>
+            <a:r>
+              <a:rPr lang="en-US" altLang="ko-KR" sz="5400" dirty="0"/>
+              <a:t>(Proxy)</a:t>
+            </a:r>
+            <a:endParaRPr lang="ko-KR" altLang="en-US" sz="5400" dirty="0"/>
+          </a:p>
+        </p:txBody>
+      </p:sp>
+      <p:sp>
+        <p:nvSpPr>
+          <p:cNvPr id="7" name="내용 개체 틀 6">
+            <a:extLst>
+              <a:ext uri="{FF2B5EF4-FFF2-40B4-BE49-F238E27FC236}">
+                <a16:creationId xmlns:a16="http://schemas.microsoft.com/office/drawing/2014/main" id="{06942630-B531-4F09-9F62-8F7803A5931A}"/>
+              </a:ext>
+            </a:extLst>
+          </p:cNvPr>
+          <p:cNvSpPr>
+            <a:spLocks noGrp="1"/>
+          </p:cNvSpPr>
+          <p:nvPr>
+            <p:ph idx="1"/>
+          </p:nvPr>
+        </p:nvSpPr>
+        <p:spPr>
+          <a:xfrm>
+            <a:off x="1371600" y="1786856"/>
+            <a:ext cx="9601200" cy="2124744"/>
+          </a:xfrm>
+        </p:spPr>
+        <p:txBody>
+          <a:bodyPr/>
+          <a:lstStyle/>
+          <a:p>
+            <a:pPr marL="0" indent="0">
+              <a:buNone/>
+            </a:pPr>
+            <a:r>
+              <a:rPr lang="ko-KR" altLang="en-US" dirty="0"/>
+              <a:t>프록시 패턴은 어떤 객체에 대한 접근을 제어하기 위한 용도로 대리인이나 대변인에 해당하는 객체를 제공하는 패턴이다</a:t>
+            </a:r>
+            <a:r>
+              <a:rPr lang="en-US" altLang="ko-KR" dirty="0"/>
+              <a:t>.</a:t>
+            </a:r>
+          </a:p>
+          <a:p>
+            <a:pPr marL="0" indent="0">
+              <a:buNone/>
+            </a:pPr>
+            <a:r>
+              <a:rPr lang="ko-KR" altLang="en-US" dirty="0"/>
+              <a:t>프록시 패턴은 원격 프록시</a:t>
+            </a:r>
+            <a:r>
+              <a:rPr lang="en-US" altLang="ko-KR" dirty="0"/>
+              <a:t>, </a:t>
+            </a:r>
+            <a:r>
+              <a:rPr lang="ko-KR" altLang="en-US" dirty="0"/>
+              <a:t>가상 프록시</a:t>
+            </a:r>
+            <a:r>
+              <a:rPr lang="en-US" altLang="ko-KR" dirty="0"/>
+              <a:t>, </a:t>
+            </a:r>
+            <a:r>
+              <a:rPr lang="ko-KR" altLang="en-US" dirty="0"/>
+              <a:t>보호 프록시로 나눌 수 있다</a:t>
+            </a:r>
+            <a:r>
+              <a:rPr lang="en-US" altLang="ko-KR" dirty="0"/>
+              <a:t>.</a:t>
+            </a:r>
+          </a:p>
+          <a:p>
+            <a:pPr marL="0" indent="0">
+              <a:buNone/>
+            </a:pPr>
+            <a:r>
+              <a:rPr lang="ko-KR" altLang="en-US" dirty="0"/>
+              <a:t>원격 프록시는 프록시의 메소드를 호출하면 그 호출이 네트워크를 통해 원격 객체의 메소드가 호출된다</a:t>
+            </a:r>
+            <a:r>
+              <a:rPr lang="en-US" altLang="ko-KR" dirty="0"/>
+              <a:t>. </a:t>
+            </a:r>
+            <a:r>
+              <a:rPr lang="ko-KR" altLang="en-US" dirty="0"/>
+              <a:t>그리고 그 결과가 다시 프록시를 거쳐서 클라이언트에게 전달이 되는 형태이다</a:t>
+            </a:r>
+            <a:r>
+              <a:rPr lang="en-US" altLang="ko-KR" dirty="0"/>
+              <a:t>.</a:t>
+            </a:r>
+          </a:p>
+        </p:txBody>
+      </p:sp>
+      <p:sp>
+        <p:nvSpPr>
+          <p:cNvPr id="14" name="TextBox 13">
+            <a:extLst>
+              <a:ext uri="{FF2B5EF4-FFF2-40B4-BE49-F238E27FC236}">
+                <a16:creationId xmlns:a16="http://schemas.microsoft.com/office/drawing/2014/main" id="{20866A31-7931-4511-BE17-317806D0263F}"/>
+              </a:ext>
+            </a:extLst>
+          </p:cNvPr>
+          <p:cNvSpPr txBox="1"/>
+          <p:nvPr/>
+        </p:nvSpPr>
+        <p:spPr>
+          <a:xfrm>
+            <a:off x="6518187" y="6162306"/>
+            <a:ext cx="4492487" cy="369332"/>
+          </a:xfrm>
+          <a:prstGeom prst="rect">
+            <a:avLst/>
+          </a:prstGeom>
+          <a:noFill/>
+        </p:spPr>
+        <p:txBody>
+          <a:bodyPr wrap="square" rtlCol="0">
+            <a:spAutoFit/>
+          </a:bodyPr>
+          <a:lstStyle/>
+          <a:p>
+            <a:pPr algn="ctr"/>
+            <a:r>
+              <a:rPr lang="ko-KR" altLang="en-US" dirty="0"/>
+              <a:t>△프록시 패턴의 </a:t>
+            </a:r>
+            <a:r>
+              <a:rPr lang="en-US" altLang="ko-KR" dirty="0"/>
+              <a:t>Class Diagram</a:t>
+            </a:r>
+            <a:endParaRPr lang="ko-KR" altLang="en-US" dirty="0"/>
+          </a:p>
+        </p:txBody>
+      </p:sp>
+      <p:pic>
+        <p:nvPicPr>
+          <p:cNvPr id="5" name="그림 4">
+            <a:extLst>
+              <a:ext uri="{FF2B5EF4-FFF2-40B4-BE49-F238E27FC236}">
+                <a16:creationId xmlns:a16="http://schemas.microsoft.com/office/drawing/2014/main" id="{774C0B05-3FE1-4472-916F-6CF591F543BD}"/>
+              </a:ext>
+            </a:extLst>
+          </p:cNvPr>
+          <p:cNvPicPr>
+            <a:picLocks noChangeAspect="1"/>
+          </p:cNvPicPr>
+          <p:nvPr/>
+        </p:nvPicPr>
+        <p:blipFill>
+          <a:blip r:embed="rId2">
+            <a:extLst>
+              <a:ext uri="{28A0092B-C50C-407E-A947-70E740481C1C}">
+                <a14:useLocalDpi xmlns:a14="http://schemas.microsoft.com/office/drawing/2010/main" val="0"/>
+              </a:ext>
+            </a:extLst>
+          </a:blip>
+          <a:stretch>
+            <a:fillRect/>
+          </a:stretch>
+        </p:blipFill>
+        <p:spPr>
+          <a:xfrm>
+            <a:off x="6638925" y="3735138"/>
+            <a:ext cx="4181475" cy="2333625"/>
+          </a:xfrm>
+          <a:prstGeom prst="rect">
+            <a:avLst/>
+          </a:prstGeom>
+        </p:spPr>
+      </p:pic>
+      <p:sp>
+        <p:nvSpPr>
+          <p:cNvPr id="6" name="TextBox 5">
+            <a:extLst>
+              <a:ext uri="{FF2B5EF4-FFF2-40B4-BE49-F238E27FC236}">
+                <a16:creationId xmlns:a16="http://schemas.microsoft.com/office/drawing/2014/main" id="{01220525-C73F-47DA-859C-BBA011AA9299}"/>
+              </a:ext>
+            </a:extLst>
+          </p:cNvPr>
+          <p:cNvSpPr txBox="1"/>
+          <p:nvPr/>
+        </p:nvSpPr>
+        <p:spPr>
+          <a:xfrm>
+            <a:off x="1371600" y="3873500"/>
+            <a:ext cx="5153025" cy="2862322"/>
+          </a:xfrm>
+          <a:prstGeom prst="rect">
+            <a:avLst/>
+          </a:prstGeom>
+          <a:noFill/>
+        </p:spPr>
+        <p:txBody>
+          <a:bodyPr wrap="square" rtlCol="0">
+            <a:spAutoFit/>
+          </a:bodyPr>
+          <a:lstStyle/>
+          <a:p>
+            <a:r>
+              <a:rPr lang="ko-KR" altLang="en-US" sz="2000" dirty="0"/>
+              <a:t>가상 프록시는 생성하는 데 많은 비용이 드는 객체를 대신하는 역할을 맡는다</a:t>
+            </a:r>
+            <a:r>
+              <a:rPr lang="en-US" altLang="ko-KR" sz="2000" dirty="0"/>
+              <a:t>. </a:t>
+            </a:r>
+            <a:r>
+              <a:rPr lang="ko-KR" altLang="en-US" sz="2000" dirty="0"/>
+              <a:t>진짜 객체가 필요하게 되기 전까지 객체의 생성을 미루게 해 주는 기능을 제공한다</a:t>
+            </a:r>
+            <a:r>
+              <a:rPr lang="en-US" altLang="ko-KR" sz="2000" dirty="0"/>
+              <a:t>. </a:t>
+            </a:r>
+            <a:r>
+              <a:rPr lang="ko-KR" altLang="en-US" sz="2000" dirty="0"/>
+              <a:t>객체생성이 완료되면 </a:t>
+            </a:r>
+            <a:r>
+              <a:rPr lang="en-US" altLang="ko-KR" sz="2000" dirty="0" err="1"/>
+              <a:t>RealSubject</a:t>
+            </a:r>
+            <a:r>
+              <a:rPr lang="ko-KR" altLang="en-US" sz="2000" dirty="0"/>
+              <a:t>에 요청을 </a:t>
+            </a:r>
+            <a:r>
+              <a:rPr lang="ko-KR" altLang="en-US" sz="2000" dirty="0" err="1"/>
+              <a:t>직접전달한다</a:t>
+            </a:r>
+            <a:r>
+              <a:rPr lang="en-US" altLang="ko-KR" sz="2000" dirty="0"/>
+              <a:t>.</a:t>
+            </a:r>
+          </a:p>
+          <a:p>
+            <a:r>
+              <a:rPr lang="ko-KR" altLang="en-US" sz="2000" dirty="0"/>
+              <a:t>보호 프록시는 호출하는 쪽의 권한에 따라서 객체에 있는 메소드의 대한 접근을 제어한다</a:t>
+            </a:r>
+            <a:r>
+              <a:rPr lang="en-US" altLang="ko-KR" sz="2000"/>
+              <a:t>.</a:t>
+            </a:r>
+            <a:endParaRPr lang="en-US" altLang="ko-KR" sz="2000" dirty="0"/>
+          </a:p>
+          <a:p>
+            <a:endParaRPr lang="ko-KR" altLang="en-US" sz="2000" dirty="0"/>
+          </a:p>
+        </p:txBody>
+      </p:sp>
+    </p:spTree>
+    <p:extLst>
+      <p:ext uri="{BB962C8B-B14F-4D97-AF65-F5344CB8AC3E}">
+        <p14:creationId xmlns:p14="http://schemas.microsoft.com/office/powerpoint/2010/main" val="3870366471"/>
       </p:ext>
     </p:extLst>
   </p:cSld>

--- a/Design_Pattern.pptx
+++ b/Design_Pattern.pptx
@@ -12,6 +12,11 @@
     <p:sldId id="262" r:id="rId6"/>
     <p:sldId id="263" r:id="rId7"/>
     <p:sldId id="264" r:id="rId8"/>
+    <p:sldId id="266" r:id="rId9"/>
+    <p:sldId id="267" r:id="rId10"/>
+    <p:sldId id="268" r:id="rId11"/>
+    <p:sldId id="269" r:id="rId12"/>
+    <p:sldId id="270" r:id="rId13"/>
   </p:sldIdLst>
   <p:sldSz cx="12192000" cy="6858000"/>
   <p:notesSz cx="6858000" cy="9144000"/>
@@ -132,6 +137,15 @@
             <p14:sldId id="264"/>
           </p14:sldIdLst>
         </p14:section>
+        <p14:section name="행동 패턴" id="{AC8758F5-5015-41BD-B030-DD89B23B288F}">
+          <p14:sldIdLst>
+            <p14:sldId id="266"/>
+            <p14:sldId id="267"/>
+            <p14:sldId id="268"/>
+            <p14:sldId id="269"/>
+            <p14:sldId id="270"/>
+          </p14:sldIdLst>
+        </p14:section>
       </p14:sectionLst>
     </p:ext>
     <p:ext uri="{EFAFB233-063F-42B5-8137-9DF3F51BA10A}">
@@ -310,7 +324,7 @@
           <a:p>
             <a:fld id="{EFBDD7C4-560D-4D66-8BC5-8F06B70D400C}" type="datetimeFigureOut">
               <a:rPr lang="ko-KR" altLang="en-US" smtClean="0"/>
-              <a:t>2018-09-12</a:t>
+              <a:t>2018-09-14</a:t>
             </a:fld>
             <a:endParaRPr lang="ko-KR" altLang="en-US"/>
           </a:p>
@@ -640,7 +654,7 @@
           <a:p>
             <a:fld id="{EFBDD7C4-560D-4D66-8BC5-8F06B70D400C}" type="datetimeFigureOut">
               <a:rPr lang="ko-KR" altLang="en-US" smtClean="0"/>
-              <a:t>2018-09-12</a:t>
+              <a:t>2018-09-14</a:t>
             </a:fld>
             <a:endParaRPr lang="ko-KR" altLang="en-US"/>
           </a:p>
@@ -820,7 +834,7 @@
           <a:p>
             <a:fld id="{EFBDD7C4-560D-4D66-8BC5-8F06B70D400C}" type="datetimeFigureOut">
               <a:rPr lang="ko-KR" altLang="en-US" smtClean="0"/>
-              <a:t>2018-09-12</a:t>
+              <a:t>2018-09-14</a:t>
             </a:fld>
             <a:endParaRPr lang="ko-KR" altLang="en-US"/>
           </a:p>
@@ -990,7 +1004,7 @@
           <a:p>
             <a:fld id="{EFBDD7C4-560D-4D66-8BC5-8F06B70D400C}" type="datetimeFigureOut">
               <a:rPr lang="ko-KR" altLang="en-US" smtClean="0"/>
-              <a:t>2018-09-12</a:t>
+              <a:t>2018-09-14</a:t>
             </a:fld>
             <a:endParaRPr lang="ko-KR" altLang="en-US"/>
           </a:p>
@@ -1267,7 +1281,7 @@
           <a:p>
             <a:fld id="{EFBDD7C4-560D-4D66-8BC5-8F06B70D400C}" type="datetimeFigureOut">
               <a:rPr lang="ko-KR" altLang="en-US" smtClean="0"/>
-              <a:t>2018-09-12</a:t>
+              <a:t>2018-09-14</a:t>
             </a:fld>
             <a:endParaRPr lang="ko-KR" altLang="en-US"/>
           </a:p>
@@ -1661,7 +1675,7 @@
           <a:p>
             <a:fld id="{EFBDD7C4-560D-4D66-8BC5-8F06B70D400C}" type="datetimeFigureOut">
               <a:rPr lang="ko-KR" altLang="en-US" smtClean="0"/>
-              <a:t>2018-09-12</a:t>
+              <a:t>2018-09-14</a:t>
             </a:fld>
             <a:endParaRPr lang="ko-KR" altLang="en-US"/>
           </a:p>
@@ -2138,7 +2152,7 @@
           <a:p>
             <a:fld id="{EFBDD7C4-560D-4D66-8BC5-8F06B70D400C}" type="datetimeFigureOut">
               <a:rPr lang="ko-KR" altLang="en-US" smtClean="0"/>
-              <a:t>2018-09-12</a:t>
+              <a:t>2018-09-14</a:t>
             </a:fld>
             <a:endParaRPr lang="ko-KR" altLang="en-US"/>
           </a:p>
@@ -2256,7 +2270,7 @@
           <a:p>
             <a:fld id="{EFBDD7C4-560D-4D66-8BC5-8F06B70D400C}" type="datetimeFigureOut">
               <a:rPr lang="ko-KR" altLang="en-US" smtClean="0"/>
-              <a:t>2018-09-12</a:t>
+              <a:t>2018-09-14</a:t>
             </a:fld>
             <a:endParaRPr lang="ko-KR" altLang="en-US"/>
           </a:p>
@@ -2351,7 +2365,7 @@
           <a:p>
             <a:fld id="{EFBDD7C4-560D-4D66-8BC5-8F06B70D400C}" type="datetimeFigureOut">
               <a:rPr lang="ko-KR" altLang="en-US" smtClean="0"/>
-              <a:t>2018-09-12</a:t>
+              <a:t>2018-09-14</a:t>
             </a:fld>
             <a:endParaRPr lang="ko-KR" altLang="en-US"/>
           </a:p>
@@ -2697,7 +2711,7 @@
           <a:p>
             <a:fld id="{EFBDD7C4-560D-4D66-8BC5-8F06B70D400C}" type="datetimeFigureOut">
               <a:rPr lang="ko-KR" altLang="en-US" smtClean="0"/>
-              <a:t>2018-09-12</a:t>
+              <a:t>2018-09-14</a:t>
             </a:fld>
             <a:endParaRPr lang="ko-KR" altLang="en-US"/>
           </a:p>
@@ -3085,7 +3099,7 @@
           <a:p>
             <a:fld id="{EFBDD7C4-560D-4D66-8BC5-8F06B70D400C}" type="datetimeFigureOut">
               <a:rPr lang="ko-KR" altLang="en-US" smtClean="0"/>
-              <a:t>2018-09-12</a:t>
+              <a:t>2018-09-14</a:t>
             </a:fld>
             <a:endParaRPr lang="ko-KR" altLang="en-US"/>
           </a:p>
@@ -3363,7 +3377,7 @@
           <a:p>
             <a:fld id="{EFBDD7C4-560D-4D66-8BC5-8F06B70D400C}" type="datetimeFigureOut">
               <a:rPr lang="ko-KR" altLang="en-US" smtClean="0"/>
-              <a:t>2018-09-12</a:t>
+              <a:t>2018-09-14</a:t>
             </a:fld>
             <a:endParaRPr lang="ko-KR" altLang="en-US"/>
           </a:p>
@@ -3966,6 +3980,1269 @@
 </p:sld>
 </file>
 
+<file path=ppt/slides/slide10.xml><?xml version="1.0" encoding="utf-8"?>
+<p:sld xmlns:a="http://schemas.openxmlformats.org/drawingml/2006/main" xmlns:r="http://schemas.openxmlformats.org/officeDocument/2006/relationships" xmlns:p="http://schemas.openxmlformats.org/presentationml/2006/main">
+  <p:cSld>
+    <p:spTree>
+      <p:nvGrpSpPr>
+        <p:cNvPr id="1" name=""/>
+        <p:cNvGrpSpPr/>
+        <p:nvPr/>
+      </p:nvGrpSpPr>
+      <p:grpSpPr>
+        <a:xfrm>
+          <a:off x="0" y="0"/>
+          <a:ext cx="0" cy="0"/>
+          <a:chOff x="0" y="0"/>
+          <a:chExt cx="0" cy="0"/>
+        </a:xfrm>
+      </p:grpSpPr>
+      <p:sp>
+        <p:nvSpPr>
+          <p:cNvPr id="2" name="제목 1">
+            <a:extLst>
+              <a:ext uri="{FF2B5EF4-FFF2-40B4-BE49-F238E27FC236}">
+                <a16:creationId xmlns:a16="http://schemas.microsoft.com/office/drawing/2014/main" id="{8949615D-8BA6-46EB-B020-62AD07C37D1E}"/>
+              </a:ext>
+            </a:extLst>
+          </p:cNvPr>
+          <p:cNvSpPr>
+            <a:spLocks noGrp="1"/>
+          </p:cNvSpPr>
+          <p:nvPr>
+            <p:ph type="title"/>
+          </p:nvPr>
+        </p:nvSpPr>
+        <p:spPr>
+          <a:xfrm>
+            <a:off x="1371600" y="308295"/>
+            <a:ext cx="9601200" cy="1210112"/>
+          </a:xfrm>
+        </p:spPr>
+        <p:txBody>
+          <a:bodyPr>
+            <a:normAutofit/>
+          </a:bodyPr>
+          <a:lstStyle/>
+          <a:p>
+            <a:pPr algn="ctr"/>
+            <a:r>
+              <a:rPr lang="ko-KR" altLang="en-US" sz="5400" dirty="0"/>
+              <a:t>감시자</a:t>
+            </a:r>
+            <a:r>
+              <a:rPr lang="en-US" altLang="ko-KR" sz="5400" dirty="0"/>
+              <a:t>(Observer)</a:t>
+            </a:r>
+            <a:endParaRPr lang="ko-KR" altLang="en-US" sz="5400" dirty="0"/>
+          </a:p>
+        </p:txBody>
+      </p:sp>
+      <p:sp>
+        <p:nvSpPr>
+          <p:cNvPr id="7" name="내용 개체 틀 6">
+            <a:extLst>
+              <a:ext uri="{FF2B5EF4-FFF2-40B4-BE49-F238E27FC236}">
+                <a16:creationId xmlns:a16="http://schemas.microsoft.com/office/drawing/2014/main" id="{06942630-B531-4F09-9F62-8F7803A5931A}"/>
+              </a:ext>
+            </a:extLst>
+          </p:cNvPr>
+          <p:cNvSpPr>
+            <a:spLocks noGrp="1"/>
+          </p:cNvSpPr>
+          <p:nvPr>
+            <p:ph idx="1"/>
+          </p:nvPr>
+        </p:nvSpPr>
+        <p:spPr>
+          <a:xfrm>
+            <a:off x="1371600" y="1134241"/>
+            <a:ext cx="9601200" cy="2441197"/>
+          </a:xfrm>
+        </p:spPr>
+        <p:txBody>
+          <a:bodyPr>
+            <a:normAutofit/>
+          </a:bodyPr>
+          <a:lstStyle/>
+          <a:p>
+            <a:pPr marL="0" indent="0">
+              <a:buNone/>
+            </a:pPr>
+            <a:r>
+              <a:rPr lang="ko-KR" altLang="en-US" dirty="0"/>
+              <a:t>감시자 패턴은 객체 사이에 일 대 다의 의존 관계를 정의해 두어</a:t>
+            </a:r>
+            <a:r>
+              <a:rPr lang="en-US" altLang="ko-KR" dirty="0"/>
+              <a:t>, </a:t>
+            </a:r>
+            <a:r>
+              <a:rPr lang="ko-KR" altLang="en-US" dirty="0"/>
+              <a:t>어떤 객체의 상태가 변할 때 그 객체에 의존성을 가진 다른 객체들이 변화를 통지 받고</a:t>
+            </a:r>
+            <a:r>
+              <a:rPr lang="en-US" altLang="ko-KR" dirty="0"/>
+              <a:t> </a:t>
+            </a:r>
+            <a:r>
+              <a:rPr lang="ko-KR" altLang="en-US" dirty="0"/>
+              <a:t>자동으로 갱신될 수 있게 만든다</a:t>
+            </a:r>
+            <a:r>
+              <a:rPr lang="en-US" altLang="ko-KR" dirty="0"/>
+              <a:t>.</a:t>
+            </a:r>
+          </a:p>
+          <a:p>
+            <a:pPr marL="0" indent="0">
+              <a:buNone/>
+            </a:pPr>
+            <a:r>
+              <a:rPr lang="ko-KR" altLang="en-US" dirty="0"/>
+              <a:t>감시자 패턴은 한 객체에 가해진 변경으로 다른 객체들이 변경되고</a:t>
+            </a:r>
+            <a:r>
+              <a:rPr lang="en-US" altLang="ko-KR" dirty="0"/>
+              <a:t>, </a:t>
+            </a:r>
+            <a:r>
+              <a:rPr lang="ko-KR" altLang="en-US" dirty="0"/>
+              <a:t>사용자는 얼마나 많은 객체가 변경되어야 하는지 몰라도 될 때 사용할 수 있다</a:t>
+            </a:r>
+            <a:r>
+              <a:rPr lang="en-US" altLang="ko-KR" dirty="0"/>
+              <a:t>.</a:t>
+            </a:r>
+          </a:p>
+          <a:p>
+            <a:pPr marL="0" indent="0">
+              <a:buNone/>
+            </a:pPr>
+            <a:r>
+              <a:rPr lang="ko-KR" altLang="en-US" dirty="0"/>
+              <a:t>구상주체 객체는 감시자의 상태와 자신의 상태가 달라지는 변경이 발생할 때마다 감시자에게 통보합니다</a:t>
+            </a:r>
+            <a:r>
+              <a:rPr lang="en-US" altLang="ko-KR" dirty="0"/>
+              <a:t>.</a:t>
+            </a:r>
+          </a:p>
+        </p:txBody>
+      </p:sp>
+      <p:sp>
+        <p:nvSpPr>
+          <p:cNvPr id="14" name="TextBox 13">
+            <a:extLst>
+              <a:ext uri="{FF2B5EF4-FFF2-40B4-BE49-F238E27FC236}">
+                <a16:creationId xmlns:a16="http://schemas.microsoft.com/office/drawing/2014/main" id="{20866A31-7931-4511-BE17-317806D0263F}"/>
+              </a:ext>
+            </a:extLst>
+          </p:cNvPr>
+          <p:cNvSpPr txBox="1"/>
+          <p:nvPr/>
+        </p:nvSpPr>
+        <p:spPr>
+          <a:xfrm>
+            <a:off x="6274076" y="5921361"/>
+            <a:ext cx="4492487" cy="369332"/>
+          </a:xfrm>
+          <a:prstGeom prst="rect">
+            <a:avLst/>
+          </a:prstGeom>
+          <a:noFill/>
+        </p:spPr>
+        <p:txBody>
+          <a:bodyPr wrap="square" rtlCol="0">
+            <a:spAutoFit/>
+          </a:bodyPr>
+          <a:lstStyle/>
+          <a:p>
+            <a:pPr algn="ctr"/>
+            <a:r>
+              <a:rPr lang="ko-KR" altLang="en-US" dirty="0"/>
+              <a:t>△감시자패턴의 </a:t>
+            </a:r>
+            <a:r>
+              <a:rPr lang="en-US" altLang="ko-KR" dirty="0"/>
+              <a:t>Class Diagram</a:t>
+            </a:r>
+            <a:endParaRPr lang="ko-KR" altLang="en-US" dirty="0"/>
+          </a:p>
+        </p:txBody>
+      </p:sp>
+      <p:sp>
+        <p:nvSpPr>
+          <p:cNvPr id="9" name="TextBox 8">
+            <a:extLst>
+              <a:ext uri="{FF2B5EF4-FFF2-40B4-BE49-F238E27FC236}">
+                <a16:creationId xmlns:a16="http://schemas.microsoft.com/office/drawing/2014/main" id="{D5B3E4D4-D9F2-4CA6-A3B2-098344520BA7}"/>
+              </a:ext>
+            </a:extLst>
+          </p:cNvPr>
+          <p:cNvSpPr txBox="1"/>
+          <p:nvPr/>
+        </p:nvSpPr>
+        <p:spPr>
+          <a:xfrm>
+            <a:off x="1371600" y="3430728"/>
+            <a:ext cx="5058397" cy="3477875"/>
+          </a:xfrm>
+          <a:prstGeom prst="rect">
+            <a:avLst/>
+          </a:prstGeom>
+          <a:noFill/>
+        </p:spPr>
+        <p:txBody>
+          <a:bodyPr wrap="square" rtlCol="0">
+            <a:spAutoFit/>
+          </a:bodyPr>
+          <a:lstStyle/>
+          <a:p>
+            <a:r>
+              <a:rPr lang="ko-KR" altLang="en-US" sz="2000" dirty="0"/>
+              <a:t>변경이 통보된 후</a:t>
+            </a:r>
+            <a:r>
+              <a:rPr lang="en-US" altLang="ko-KR" sz="2000" dirty="0"/>
+              <a:t>, </a:t>
+            </a:r>
+            <a:r>
+              <a:rPr lang="ko-KR" altLang="en-US" sz="2000" dirty="0"/>
+              <a:t>구상 감시자 객체는 필요한 정보를 주체에게서 얻어옵니다</a:t>
+            </a:r>
+            <a:r>
+              <a:rPr lang="en-US" altLang="ko-KR" sz="2000" dirty="0"/>
+              <a:t>. </a:t>
+            </a:r>
+            <a:r>
+              <a:rPr lang="ko-KR" altLang="en-US" sz="2000" dirty="0"/>
+              <a:t>그리고 이 정보를 이용해서 주체의 상태와 자신의 상태를 일치시킵니다</a:t>
+            </a:r>
+            <a:r>
+              <a:rPr lang="en-US" altLang="ko-KR" sz="2000" dirty="0"/>
+              <a:t>.</a:t>
+            </a:r>
+          </a:p>
+          <a:p>
+            <a:r>
+              <a:rPr lang="ko-KR" altLang="en-US" sz="2000" dirty="0"/>
+              <a:t>주체와 감시자는 둘이 상호작용을 하긴 하지만</a:t>
+            </a:r>
+            <a:r>
+              <a:rPr lang="en-US" altLang="ko-KR" sz="2000" dirty="0"/>
+              <a:t>, </a:t>
+            </a:r>
+            <a:r>
+              <a:rPr lang="ko-KR" altLang="en-US" sz="2000" dirty="0"/>
+              <a:t>서로에 대해 잘 모르는 느슨한 결합으로 이어져 있다</a:t>
+            </a:r>
+            <a:r>
+              <a:rPr lang="en-US" altLang="ko-KR" sz="2000" dirty="0"/>
+              <a:t>. </a:t>
+            </a:r>
+            <a:r>
+              <a:rPr lang="ko-KR" altLang="en-US" sz="2000" dirty="0"/>
+              <a:t>서로 독립적으로 존재하기 때문에</a:t>
+            </a:r>
+            <a:r>
+              <a:rPr lang="en-US" altLang="ko-KR" sz="2000" dirty="0"/>
+              <a:t>, </a:t>
+            </a:r>
+            <a:r>
+              <a:rPr lang="ko-KR" altLang="en-US" sz="2000" dirty="0"/>
+              <a:t>인터페이스만 구현된다면 한쪽의 변경이 다른 한쪽의 변경을 유발하지 않는다</a:t>
+            </a:r>
+            <a:r>
+              <a:rPr lang="en-US" altLang="ko-KR" sz="2000" dirty="0"/>
+              <a:t>.</a:t>
+            </a:r>
+          </a:p>
+          <a:p>
+            <a:endParaRPr lang="ko-KR" altLang="en-US" sz="2000" dirty="0"/>
+          </a:p>
+        </p:txBody>
+      </p:sp>
+      <p:pic>
+        <p:nvPicPr>
+          <p:cNvPr id="4" name="그림 3">
+            <a:extLst>
+              <a:ext uri="{FF2B5EF4-FFF2-40B4-BE49-F238E27FC236}">
+                <a16:creationId xmlns:a16="http://schemas.microsoft.com/office/drawing/2014/main" id="{A859B817-2F9E-4B71-97E5-73B008B8E26C}"/>
+              </a:ext>
+            </a:extLst>
+          </p:cNvPr>
+          <p:cNvPicPr>
+            <a:picLocks noChangeAspect="1"/>
+          </p:cNvPicPr>
+          <p:nvPr/>
+        </p:nvPicPr>
+        <p:blipFill>
+          <a:blip r:embed="rId2">
+            <a:extLst>
+              <a:ext uri="{28A0092B-C50C-407E-A947-70E740481C1C}">
+                <a14:useLocalDpi xmlns:a14="http://schemas.microsoft.com/office/drawing/2010/main" val="0"/>
+              </a:ext>
+            </a:extLst>
+          </a:blip>
+          <a:stretch>
+            <a:fillRect/>
+          </a:stretch>
+        </p:blipFill>
+        <p:spPr>
+          <a:xfrm>
+            <a:off x="6429997" y="3575438"/>
+            <a:ext cx="4180645" cy="2345923"/>
+          </a:xfrm>
+          <a:prstGeom prst="rect">
+            <a:avLst/>
+          </a:prstGeom>
+        </p:spPr>
+      </p:pic>
+    </p:spTree>
+    <p:extLst>
+      <p:ext uri="{BB962C8B-B14F-4D97-AF65-F5344CB8AC3E}">
+        <p14:creationId xmlns:p14="http://schemas.microsoft.com/office/powerpoint/2010/main" val="2160971773"/>
+      </p:ext>
+    </p:extLst>
+  </p:cSld>
+  <p:clrMapOvr>
+    <a:masterClrMapping/>
+  </p:clrMapOvr>
+</p:sld>
+</file>
+
+<file path=ppt/slides/slide11.xml><?xml version="1.0" encoding="utf-8"?>
+<p:sld xmlns:a="http://schemas.openxmlformats.org/drawingml/2006/main" xmlns:r="http://schemas.openxmlformats.org/officeDocument/2006/relationships" xmlns:p="http://schemas.openxmlformats.org/presentationml/2006/main">
+  <p:cSld>
+    <p:spTree>
+      <p:nvGrpSpPr>
+        <p:cNvPr id="1" name=""/>
+        <p:cNvGrpSpPr/>
+        <p:nvPr/>
+      </p:nvGrpSpPr>
+      <p:grpSpPr>
+        <a:xfrm>
+          <a:off x="0" y="0"/>
+          <a:ext cx="0" cy="0"/>
+          <a:chOff x="0" y="0"/>
+          <a:chExt cx="0" cy="0"/>
+        </a:xfrm>
+      </p:grpSpPr>
+      <p:sp>
+        <p:nvSpPr>
+          <p:cNvPr id="2" name="제목 1">
+            <a:extLst>
+              <a:ext uri="{FF2B5EF4-FFF2-40B4-BE49-F238E27FC236}">
+                <a16:creationId xmlns:a16="http://schemas.microsoft.com/office/drawing/2014/main" id="{8949615D-8BA6-46EB-B020-62AD07C37D1E}"/>
+              </a:ext>
+            </a:extLst>
+          </p:cNvPr>
+          <p:cNvSpPr>
+            <a:spLocks noGrp="1"/>
+          </p:cNvSpPr>
+          <p:nvPr>
+            <p:ph type="title"/>
+          </p:nvPr>
+        </p:nvSpPr>
+        <p:spPr>
+          <a:xfrm>
+            <a:off x="1371600" y="308295"/>
+            <a:ext cx="9601200" cy="1210112"/>
+          </a:xfrm>
+        </p:spPr>
+        <p:txBody>
+          <a:bodyPr>
+            <a:normAutofit/>
+          </a:bodyPr>
+          <a:lstStyle/>
+          <a:p>
+            <a:pPr algn="ctr"/>
+            <a:r>
+              <a:rPr lang="ko-KR" altLang="en-US" sz="5400" dirty="0"/>
+              <a:t>상태</a:t>
+            </a:r>
+            <a:r>
+              <a:rPr lang="en-US" altLang="ko-KR" sz="5400" dirty="0"/>
+              <a:t>(State)</a:t>
+            </a:r>
+            <a:endParaRPr lang="ko-KR" altLang="en-US" sz="5400" dirty="0"/>
+          </a:p>
+        </p:txBody>
+      </p:sp>
+      <p:pic>
+        <p:nvPicPr>
+          <p:cNvPr id="5" name="내용 개체 틀 4">
+            <a:extLst>
+              <a:ext uri="{FF2B5EF4-FFF2-40B4-BE49-F238E27FC236}">
+                <a16:creationId xmlns:a16="http://schemas.microsoft.com/office/drawing/2014/main" id="{A0AD71A3-1757-4836-A4F8-94ECDF4F3D00}"/>
+              </a:ext>
+            </a:extLst>
+          </p:cNvPr>
+          <p:cNvPicPr>
+            <a:picLocks noGrp="1" noChangeAspect="1"/>
+          </p:cNvPicPr>
+          <p:nvPr>
+            <p:ph idx="1"/>
+          </p:nvPr>
+        </p:nvPicPr>
+        <p:blipFill>
+          <a:blip r:embed="rId2">
+            <a:extLst>
+              <a:ext uri="{28A0092B-C50C-407E-A947-70E740481C1C}">
+                <a14:useLocalDpi xmlns:a14="http://schemas.microsoft.com/office/drawing/2010/main" val="0"/>
+              </a:ext>
+            </a:extLst>
+          </a:blip>
+          <a:stretch>
+            <a:fillRect/>
+          </a:stretch>
+        </p:blipFill>
+        <p:spPr>
+          <a:xfrm>
+            <a:off x="6316788" y="3795537"/>
+            <a:ext cx="4407061" cy="2125824"/>
+          </a:xfrm>
+        </p:spPr>
+      </p:pic>
+      <p:sp>
+        <p:nvSpPr>
+          <p:cNvPr id="14" name="TextBox 13">
+            <a:extLst>
+              <a:ext uri="{FF2B5EF4-FFF2-40B4-BE49-F238E27FC236}">
+                <a16:creationId xmlns:a16="http://schemas.microsoft.com/office/drawing/2014/main" id="{20866A31-7931-4511-BE17-317806D0263F}"/>
+              </a:ext>
+            </a:extLst>
+          </p:cNvPr>
+          <p:cNvSpPr txBox="1"/>
+          <p:nvPr/>
+        </p:nvSpPr>
+        <p:spPr>
+          <a:xfrm>
+            <a:off x="6274076" y="5921361"/>
+            <a:ext cx="4492487" cy="369332"/>
+          </a:xfrm>
+          <a:prstGeom prst="rect">
+            <a:avLst/>
+          </a:prstGeom>
+          <a:noFill/>
+        </p:spPr>
+        <p:txBody>
+          <a:bodyPr wrap="square" rtlCol="0">
+            <a:spAutoFit/>
+          </a:bodyPr>
+          <a:lstStyle/>
+          <a:p>
+            <a:pPr algn="ctr"/>
+            <a:r>
+              <a:rPr lang="ko-KR" altLang="en-US" dirty="0"/>
+              <a:t>△상태패턴의 </a:t>
+            </a:r>
+            <a:r>
+              <a:rPr lang="en-US" altLang="ko-KR" dirty="0"/>
+              <a:t>Class Diagram</a:t>
+            </a:r>
+            <a:endParaRPr lang="ko-KR" altLang="en-US" dirty="0"/>
+          </a:p>
+        </p:txBody>
+      </p:sp>
+      <p:sp>
+        <p:nvSpPr>
+          <p:cNvPr id="10" name="내용 개체 틀 6">
+            <a:extLst>
+              <a:ext uri="{FF2B5EF4-FFF2-40B4-BE49-F238E27FC236}">
+                <a16:creationId xmlns:a16="http://schemas.microsoft.com/office/drawing/2014/main" id="{D934604B-400D-42D4-B7E7-7BEA20D356EB}"/>
+              </a:ext>
+            </a:extLst>
+          </p:cNvPr>
+          <p:cNvSpPr txBox="1">
+            <a:spLocks/>
+          </p:cNvSpPr>
+          <p:nvPr/>
+        </p:nvSpPr>
+        <p:spPr>
+          <a:xfrm>
+            <a:off x="1371600" y="1134241"/>
+            <a:ext cx="9601200" cy="2661296"/>
+          </a:xfrm>
+          <a:prstGeom prst="rect">
+            <a:avLst/>
+          </a:prstGeom>
+        </p:spPr>
+        <p:txBody>
+          <a:bodyPr vert="horz" lIns="91440" tIns="45720" rIns="91440" bIns="45720" rtlCol="0">
+            <a:normAutofit/>
+          </a:bodyPr>
+          <a:lstStyle>
+            <a:lvl1pPr marL="384048" indent="-384048" algn="l" defTabSz="914400" rtl="0" eaLnBrk="1" latinLnBrk="1" hangingPunct="1">
+              <a:lnSpc>
+                <a:spcPct val="94000"/>
+              </a:lnSpc>
+              <a:spcBef>
+                <a:spcPts val="1000"/>
+              </a:spcBef>
+              <a:spcAft>
+                <a:spcPts val="200"/>
+              </a:spcAft>
+              <a:buFont typeface="Franklin Gothic Book" panose="020B0503020102020204" pitchFamily="34" charset="0"/>
+              <a:buChar char="■"/>
+              <a:defRPr sz="2000" kern="1200" baseline="0">
+                <a:solidFill>
+                  <a:schemeClr val="tx2"/>
+                </a:solidFill>
+                <a:latin typeface="+mn-lt"/>
+                <a:ea typeface="+mn-ea"/>
+                <a:cs typeface="+mn-cs"/>
+              </a:defRPr>
+            </a:lvl1pPr>
+            <a:lvl2pPr marL="914400" indent="-384048" algn="l" defTabSz="914400" rtl="0" eaLnBrk="1" latinLnBrk="1" hangingPunct="1">
+              <a:lnSpc>
+                <a:spcPct val="94000"/>
+              </a:lnSpc>
+              <a:spcBef>
+                <a:spcPts val="500"/>
+              </a:spcBef>
+              <a:spcAft>
+                <a:spcPts val="200"/>
+              </a:spcAft>
+              <a:buFont typeface="Franklin Gothic Book" panose="020B0503020102020204" pitchFamily="34" charset="0"/>
+              <a:buChar char="–"/>
+              <a:defRPr sz="2000" i="1" kern="1200" baseline="0">
+                <a:solidFill>
+                  <a:schemeClr val="tx2"/>
+                </a:solidFill>
+                <a:latin typeface="+mn-lt"/>
+                <a:ea typeface="+mn-ea"/>
+                <a:cs typeface="+mn-cs"/>
+              </a:defRPr>
+            </a:lvl2pPr>
+            <a:lvl3pPr marL="1371600" indent="-384048" algn="l" defTabSz="914400" rtl="0" eaLnBrk="1" latinLnBrk="1" hangingPunct="1">
+              <a:lnSpc>
+                <a:spcPct val="94000"/>
+              </a:lnSpc>
+              <a:spcBef>
+                <a:spcPts val="500"/>
+              </a:spcBef>
+              <a:spcAft>
+                <a:spcPts val="200"/>
+              </a:spcAft>
+              <a:buFont typeface="Franklin Gothic Book" panose="020B0503020102020204" pitchFamily="34" charset="0"/>
+              <a:buChar char="■"/>
+              <a:defRPr sz="1800" kern="1200" baseline="0">
+                <a:solidFill>
+                  <a:schemeClr val="tx2"/>
+                </a:solidFill>
+                <a:latin typeface="+mn-lt"/>
+                <a:ea typeface="+mn-ea"/>
+                <a:cs typeface="+mn-cs"/>
+              </a:defRPr>
+            </a:lvl3pPr>
+            <a:lvl4pPr marL="1828800" indent="-384048" algn="l" defTabSz="914400" rtl="0" eaLnBrk="1" latinLnBrk="1" hangingPunct="1">
+              <a:lnSpc>
+                <a:spcPct val="94000"/>
+              </a:lnSpc>
+              <a:spcBef>
+                <a:spcPts val="500"/>
+              </a:spcBef>
+              <a:spcAft>
+                <a:spcPts val="200"/>
+              </a:spcAft>
+              <a:buFont typeface="Franklin Gothic Book" panose="020B0503020102020204" pitchFamily="34" charset="0"/>
+              <a:buChar char="–"/>
+              <a:defRPr sz="1800" i="1" kern="1200" baseline="0">
+                <a:solidFill>
+                  <a:schemeClr val="tx2"/>
+                </a:solidFill>
+                <a:latin typeface="+mn-lt"/>
+                <a:ea typeface="+mn-ea"/>
+                <a:cs typeface="+mn-cs"/>
+              </a:defRPr>
+            </a:lvl4pPr>
+            <a:lvl5pPr marL="2286000" indent="-384048" algn="l" defTabSz="914400" rtl="0" eaLnBrk="1" latinLnBrk="1" hangingPunct="1">
+              <a:lnSpc>
+                <a:spcPct val="94000"/>
+              </a:lnSpc>
+              <a:spcBef>
+                <a:spcPts val="500"/>
+              </a:spcBef>
+              <a:spcAft>
+                <a:spcPts val="200"/>
+              </a:spcAft>
+              <a:buFont typeface="Franklin Gothic Book" panose="020B0503020102020204" pitchFamily="34" charset="0"/>
+              <a:buChar char="■"/>
+              <a:defRPr sz="1600" kern="1200" baseline="0">
+                <a:solidFill>
+                  <a:schemeClr val="tx2"/>
+                </a:solidFill>
+                <a:latin typeface="+mn-lt"/>
+                <a:ea typeface="+mn-ea"/>
+                <a:cs typeface="+mn-cs"/>
+              </a:defRPr>
+            </a:lvl5pPr>
+            <a:lvl6pPr marL="2743200" indent="-384048" algn="l" defTabSz="914400" rtl="0" eaLnBrk="1" latinLnBrk="1" hangingPunct="1">
+              <a:lnSpc>
+                <a:spcPct val="94000"/>
+              </a:lnSpc>
+              <a:spcBef>
+                <a:spcPts val="500"/>
+              </a:spcBef>
+              <a:spcAft>
+                <a:spcPts val="200"/>
+              </a:spcAft>
+              <a:buFont typeface="Franklin Gothic Book" panose="020B0503020102020204" pitchFamily="34" charset="0"/>
+              <a:buChar char="–"/>
+              <a:defRPr sz="1600" i="1" kern="1200" baseline="0">
+                <a:solidFill>
+                  <a:schemeClr val="tx2"/>
+                </a:solidFill>
+                <a:latin typeface="+mn-lt"/>
+                <a:ea typeface="+mn-ea"/>
+                <a:cs typeface="+mn-cs"/>
+              </a:defRPr>
+            </a:lvl6pPr>
+            <a:lvl7pPr marL="3200400" indent="-384048" algn="l" defTabSz="914400" rtl="0" eaLnBrk="1" latinLnBrk="1" hangingPunct="1">
+              <a:lnSpc>
+                <a:spcPct val="94000"/>
+              </a:lnSpc>
+              <a:spcBef>
+                <a:spcPts val="500"/>
+              </a:spcBef>
+              <a:spcAft>
+                <a:spcPts val="200"/>
+              </a:spcAft>
+              <a:buFont typeface="Franklin Gothic Book" panose="020B0503020102020204" pitchFamily="34" charset="0"/>
+              <a:buChar char="■"/>
+              <a:defRPr sz="1400" kern="1200" baseline="0">
+                <a:solidFill>
+                  <a:schemeClr val="tx2"/>
+                </a:solidFill>
+                <a:latin typeface="+mn-lt"/>
+                <a:ea typeface="+mn-ea"/>
+                <a:cs typeface="+mn-cs"/>
+              </a:defRPr>
+            </a:lvl7pPr>
+            <a:lvl8pPr marL="3657600" indent="-384048" algn="l" defTabSz="914400" rtl="0" eaLnBrk="1" latinLnBrk="1" hangingPunct="1">
+              <a:lnSpc>
+                <a:spcPct val="94000"/>
+              </a:lnSpc>
+              <a:spcBef>
+                <a:spcPts val="500"/>
+              </a:spcBef>
+              <a:spcAft>
+                <a:spcPts val="200"/>
+              </a:spcAft>
+              <a:buFont typeface="Franklin Gothic Book" panose="020B0503020102020204" pitchFamily="34" charset="0"/>
+              <a:buChar char="–"/>
+              <a:defRPr sz="1400" i="1" kern="1200" baseline="0">
+                <a:solidFill>
+                  <a:schemeClr val="tx2"/>
+                </a:solidFill>
+                <a:latin typeface="+mn-lt"/>
+                <a:ea typeface="+mn-ea"/>
+                <a:cs typeface="+mn-cs"/>
+              </a:defRPr>
+            </a:lvl8pPr>
+            <a:lvl9pPr marL="4114800" indent="-384048" algn="l" defTabSz="914400" rtl="0" eaLnBrk="1" latinLnBrk="1" hangingPunct="1">
+              <a:lnSpc>
+                <a:spcPct val="94000"/>
+              </a:lnSpc>
+              <a:spcBef>
+                <a:spcPts val="500"/>
+              </a:spcBef>
+              <a:spcAft>
+                <a:spcPts val="200"/>
+              </a:spcAft>
+              <a:buFont typeface="Franklin Gothic Book" panose="020B0503020102020204" pitchFamily="34" charset="0"/>
+              <a:buChar char="■"/>
+              <a:defRPr sz="1400" kern="1200" baseline="0">
+                <a:solidFill>
+                  <a:schemeClr val="tx2"/>
+                </a:solidFill>
+                <a:latin typeface="+mn-lt"/>
+                <a:ea typeface="+mn-ea"/>
+                <a:cs typeface="+mn-cs"/>
+              </a:defRPr>
+            </a:lvl9pPr>
+          </a:lstStyle>
+          <a:p>
+            <a:pPr marL="0" indent="0">
+              <a:buFont typeface="Franklin Gothic Book" panose="020B0503020102020204" pitchFamily="34" charset="0"/>
+              <a:buNone/>
+            </a:pPr>
+            <a:r>
+              <a:rPr lang="ko-KR" altLang="en-US" dirty="0"/>
+              <a:t>상태 패턴은 객체의 내부 상태에 따라 스스로 행동을 변경할 수 있게 허가하는 패턴으로</a:t>
+            </a:r>
+            <a:r>
+              <a:rPr lang="en-US" altLang="ko-KR" dirty="0"/>
+              <a:t>, </a:t>
+            </a:r>
+            <a:r>
+              <a:rPr lang="ko-KR" altLang="en-US" dirty="0"/>
+              <a:t>객체는 마치 자신의 클래스를 바꾸는 것처럼 보인다</a:t>
+            </a:r>
+            <a:r>
+              <a:rPr lang="en-US" altLang="ko-KR" dirty="0"/>
+              <a:t>.</a:t>
+            </a:r>
+          </a:p>
+          <a:p>
+            <a:pPr marL="0" indent="0">
+              <a:buFont typeface="Franklin Gothic Book" panose="020B0503020102020204" pitchFamily="34" charset="0"/>
+              <a:buNone/>
+            </a:pPr>
+            <a:r>
+              <a:rPr lang="ko-KR" altLang="en-US" dirty="0"/>
+              <a:t>객체의 행동이 상태에 따라 달라질 수 있고</a:t>
+            </a:r>
+            <a:r>
+              <a:rPr lang="en-US" altLang="ko-KR" dirty="0"/>
+              <a:t>, </a:t>
+            </a:r>
+            <a:r>
+              <a:rPr lang="ko-KR" altLang="en-US" dirty="0"/>
+              <a:t>객체의 상태에 따라서 런타임에 행동이 바뀌어야 할 때 사용할 수 있다</a:t>
+            </a:r>
+            <a:r>
+              <a:rPr lang="en-US" altLang="ko-KR" dirty="0"/>
+              <a:t>.</a:t>
+            </a:r>
+          </a:p>
+          <a:p>
+            <a:pPr marL="0" indent="0">
+              <a:buFont typeface="Franklin Gothic Book" panose="020B0503020102020204" pitchFamily="34" charset="0"/>
+              <a:buNone/>
+            </a:pPr>
+            <a:r>
+              <a:rPr lang="ko-KR" altLang="en-US" dirty="0"/>
+              <a:t>바뀌는 상태가 적을 경우는 열거형 상수를 통해서 정의할 수 있으나</a:t>
+            </a:r>
+            <a:r>
+              <a:rPr lang="en-US" altLang="ko-KR" dirty="0"/>
+              <a:t>, </a:t>
+            </a:r>
+            <a:r>
+              <a:rPr lang="ko-KR" altLang="en-US" dirty="0"/>
+              <a:t>달라지는 상태가 많아질 경우 상태들을 객체로 정의하면 객체를 다양화 시킬 수 있다</a:t>
+            </a:r>
+            <a:r>
+              <a:rPr lang="en-US" altLang="ko-KR" dirty="0"/>
+              <a:t>.</a:t>
+            </a:r>
+          </a:p>
+          <a:p>
+            <a:pPr marL="0" indent="0">
+              <a:buFont typeface="Franklin Gothic Book" panose="020B0503020102020204" pitchFamily="34" charset="0"/>
+              <a:buNone/>
+            </a:pPr>
+            <a:r>
+              <a:rPr lang="en-US" altLang="ko-KR" dirty="0"/>
+              <a:t>State </a:t>
+            </a:r>
+            <a:r>
+              <a:rPr lang="ko-KR" altLang="en-US" dirty="0"/>
+              <a:t>인터페이스는 </a:t>
+            </a:r>
+            <a:r>
+              <a:rPr lang="en-US" altLang="ko-KR" dirty="0"/>
+              <a:t>Context</a:t>
+            </a:r>
+            <a:r>
+              <a:rPr lang="ko-KR" altLang="en-US" dirty="0"/>
+              <a:t>의 각 상태별로 필요한 행동을 캡슐화 하여 정의한다</a:t>
+            </a:r>
+            <a:r>
+              <a:rPr lang="en-US" altLang="ko-KR" dirty="0"/>
+              <a:t>.</a:t>
+            </a:r>
+          </a:p>
+        </p:txBody>
+      </p:sp>
+      <p:sp>
+        <p:nvSpPr>
+          <p:cNvPr id="6" name="TextBox 5">
+            <a:extLst>
+              <a:ext uri="{FF2B5EF4-FFF2-40B4-BE49-F238E27FC236}">
+                <a16:creationId xmlns:a16="http://schemas.microsoft.com/office/drawing/2014/main" id="{1720677C-F4D5-425A-AF69-F16687D79C91}"/>
+              </a:ext>
+            </a:extLst>
+          </p:cNvPr>
+          <p:cNvSpPr txBox="1"/>
+          <p:nvPr/>
+        </p:nvSpPr>
+        <p:spPr>
+          <a:xfrm>
+            <a:off x="1371600" y="3644231"/>
+            <a:ext cx="4945188" cy="3170099"/>
+          </a:xfrm>
+          <a:prstGeom prst="rect">
+            <a:avLst/>
+          </a:prstGeom>
+          <a:noFill/>
+        </p:spPr>
+        <p:txBody>
+          <a:bodyPr wrap="square" rtlCol="0">
+            <a:spAutoFit/>
+          </a:bodyPr>
+          <a:lstStyle/>
+          <a:p>
+            <a:r>
+              <a:rPr lang="ko-KR" altLang="en-US" sz="2000" dirty="0"/>
+              <a:t>구상 상태 클래스들은 </a:t>
+            </a:r>
+            <a:r>
+              <a:rPr lang="en-US" altLang="ko-KR" sz="2000" dirty="0"/>
+              <a:t>Context</a:t>
+            </a:r>
+            <a:r>
+              <a:rPr lang="ko-KR" altLang="en-US" sz="2000" dirty="0"/>
+              <a:t>의 상태에 따라 처리되어야 할 실제 행동을 구현한다</a:t>
+            </a:r>
+            <a:r>
+              <a:rPr lang="en-US" altLang="ko-KR" sz="2000" dirty="0"/>
+              <a:t>.</a:t>
+            </a:r>
+          </a:p>
+          <a:p>
+            <a:r>
+              <a:rPr lang="en-US" altLang="ko-KR" sz="2000" dirty="0"/>
+              <a:t>Context</a:t>
+            </a:r>
+            <a:r>
+              <a:rPr lang="ko-KR" altLang="en-US" sz="2000" dirty="0"/>
+              <a:t>는 객체의 현재 상태를 정의한 구상 상태 클래스들의 인스턴스를 유지</a:t>
+            </a:r>
+            <a:r>
+              <a:rPr lang="en-US" altLang="ko-KR" sz="2000" dirty="0"/>
+              <a:t>, </a:t>
+            </a:r>
+            <a:r>
+              <a:rPr lang="ko-KR" altLang="en-US" sz="2000" dirty="0"/>
+              <a:t>관리한다</a:t>
+            </a:r>
+            <a:r>
+              <a:rPr lang="en-US" altLang="ko-KR" sz="2000" dirty="0"/>
+              <a:t>.</a:t>
+            </a:r>
+          </a:p>
+          <a:p>
+            <a:r>
+              <a:rPr lang="ko-KR" altLang="en-US" sz="2000" dirty="0"/>
+              <a:t>상태 패턴을 사용하면</a:t>
+            </a:r>
+            <a:r>
+              <a:rPr lang="en-US" altLang="ko-KR" sz="2000" dirty="0"/>
+              <a:t>, </a:t>
+            </a:r>
+            <a:r>
+              <a:rPr lang="ko-KR" altLang="en-US" sz="2000" dirty="0"/>
+              <a:t>임의의 한 상태에 관련된 모든 행동을 하나의 객체로 모을 수 있기 때문에 상태에 따른 행동을 국소화 하며</a:t>
+            </a:r>
+            <a:r>
+              <a:rPr lang="en-US" altLang="ko-KR" sz="2000" dirty="0"/>
+              <a:t>, </a:t>
+            </a:r>
+            <a:r>
+              <a:rPr lang="ko-KR" altLang="en-US" sz="2000" dirty="0"/>
+              <a:t>서로 다른 상태에 대한 행동을 별도의 객체로 관리할 수 있다</a:t>
+            </a:r>
+            <a:r>
+              <a:rPr lang="en-US" altLang="ko-KR" sz="2000" dirty="0"/>
+              <a:t>.</a:t>
+            </a:r>
+            <a:endParaRPr lang="ko-KR" altLang="en-US" sz="2000" dirty="0"/>
+          </a:p>
+        </p:txBody>
+      </p:sp>
+    </p:spTree>
+    <p:extLst>
+      <p:ext uri="{BB962C8B-B14F-4D97-AF65-F5344CB8AC3E}">
+        <p14:creationId xmlns:p14="http://schemas.microsoft.com/office/powerpoint/2010/main" val="1540148212"/>
+      </p:ext>
+    </p:extLst>
+  </p:cSld>
+  <p:clrMapOvr>
+    <a:masterClrMapping/>
+  </p:clrMapOvr>
+</p:sld>
+</file>
+
+<file path=ppt/slides/slide12.xml><?xml version="1.0" encoding="utf-8"?>
+<p:sld xmlns:a="http://schemas.openxmlformats.org/drawingml/2006/main" xmlns:r="http://schemas.openxmlformats.org/officeDocument/2006/relationships" xmlns:p="http://schemas.openxmlformats.org/presentationml/2006/main">
+  <p:cSld>
+    <p:spTree>
+      <p:nvGrpSpPr>
+        <p:cNvPr id="1" name=""/>
+        <p:cNvGrpSpPr/>
+        <p:nvPr/>
+      </p:nvGrpSpPr>
+      <p:grpSpPr>
+        <a:xfrm>
+          <a:off x="0" y="0"/>
+          <a:ext cx="0" cy="0"/>
+          <a:chOff x="0" y="0"/>
+          <a:chExt cx="0" cy="0"/>
+        </a:xfrm>
+      </p:grpSpPr>
+      <p:sp>
+        <p:nvSpPr>
+          <p:cNvPr id="2" name="제목 1">
+            <a:extLst>
+              <a:ext uri="{FF2B5EF4-FFF2-40B4-BE49-F238E27FC236}">
+                <a16:creationId xmlns:a16="http://schemas.microsoft.com/office/drawing/2014/main" id="{8949615D-8BA6-46EB-B020-62AD07C37D1E}"/>
+              </a:ext>
+            </a:extLst>
+          </p:cNvPr>
+          <p:cNvSpPr>
+            <a:spLocks noGrp="1"/>
+          </p:cNvSpPr>
+          <p:nvPr>
+            <p:ph type="title"/>
+          </p:nvPr>
+        </p:nvSpPr>
+        <p:spPr>
+          <a:xfrm>
+            <a:off x="1371600" y="308295"/>
+            <a:ext cx="9601200" cy="1210112"/>
+          </a:xfrm>
+        </p:spPr>
+        <p:txBody>
+          <a:bodyPr>
+            <a:normAutofit/>
+          </a:bodyPr>
+          <a:lstStyle/>
+          <a:p>
+            <a:pPr algn="ctr"/>
+            <a:r>
+              <a:rPr lang="ko-KR" altLang="en-US" sz="5400" dirty="0"/>
+              <a:t>전략</a:t>
+            </a:r>
+            <a:r>
+              <a:rPr lang="en-US" altLang="ko-KR" sz="5400" dirty="0"/>
+              <a:t>(Strategy)</a:t>
+            </a:r>
+            <a:endParaRPr lang="ko-KR" altLang="en-US" sz="5400" dirty="0"/>
+          </a:p>
+        </p:txBody>
+      </p:sp>
+      <p:sp>
+        <p:nvSpPr>
+          <p:cNvPr id="14" name="TextBox 13">
+            <a:extLst>
+              <a:ext uri="{FF2B5EF4-FFF2-40B4-BE49-F238E27FC236}">
+                <a16:creationId xmlns:a16="http://schemas.microsoft.com/office/drawing/2014/main" id="{20866A31-7931-4511-BE17-317806D0263F}"/>
+              </a:ext>
+            </a:extLst>
+          </p:cNvPr>
+          <p:cNvSpPr txBox="1"/>
+          <p:nvPr/>
+        </p:nvSpPr>
+        <p:spPr>
+          <a:xfrm>
+            <a:off x="6491747" y="6344180"/>
+            <a:ext cx="4492487" cy="369332"/>
+          </a:xfrm>
+          <a:prstGeom prst="rect">
+            <a:avLst/>
+          </a:prstGeom>
+          <a:noFill/>
+        </p:spPr>
+        <p:txBody>
+          <a:bodyPr wrap="square" rtlCol="0">
+            <a:spAutoFit/>
+          </a:bodyPr>
+          <a:lstStyle/>
+          <a:p>
+            <a:pPr algn="ctr"/>
+            <a:r>
+              <a:rPr lang="ko-KR" altLang="en-US" dirty="0"/>
+              <a:t>△전략패턴의 </a:t>
+            </a:r>
+            <a:r>
+              <a:rPr lang="en-US" altLang="ko-KR" dirty="0"/>
+              <a:t>Class Diagram</a:t>
+            </a:r>
+            <a:endParaRPr lang="ko-KR" altLang="en-US" dirty="0"/>
+          </a:p>
+        </p:txBody>
+      </p:sp>
+      <p:sp>
+        <p:nvSpPr>
+          <p:cNvPr id="6" name="TextBox 5">
+            <a:extLst>
+              <a:ext uri="{FF2B5EF4-FFF2-40B4-BE49-F238E27FC236}">
+                <a16:creationId xmlns:a16="http://schemas.microsoft.com/office/drawing/2014/main" id="{1720677C-F4D5-425A-AF69-F16687D79C91}"/>
+              </a:ext>
+            </a:extLst>
+          </p:cNvPr>
+          <p:cNvSpPr txBox="1"/>
+          <p:nvPr/>
+        </p:nvSpPr>
+        <p:spPr>
+          <a:xfrm>
+            <a:off x="1459080" y="4457943"/>
+            <a:ext cx="4945188" cy="1938992"/>
+          </a:xfrm>
+          <a:prstGeom prst="rect">
+            <a:avLst/>
+          </a:prstGeom>
+          <a:noFill/>
+        </p:spPr>
+        <p:txBody>
+          <a:bodyPr wrap="square" rtlCol="0">
+            <a:spAutoFit/>
+          </a:bodyPr>
+          <a:lstStyle/>
+          <a:p>
+            <a:r>
+              <a:rPr lang="ko-KR" altLang="en-US" sz="2000" dirty="0"/>
+              <a:t>이런 식의 구성은 동적으로 알고리즘을 </a:t>
+            </a:r>
+            <a:r>
+              <a:rPr lang="en-US" altLang="ko-KR" sz="2000" dirty="0"/>
+              <a:t>Context</a:t>
+            </a:r>
+            <a:r>
+              <a:rPr lang="ko-KR" altLang="en-US" sz="2000" dirty="0"/>
+              <a:t>의 알고리즘을 변경할 수 있고</a:t>
+            </a:r>
+            <a:r>
+              <a:rPr lang="en-US" altLang="ko-KR" sz="2000" dirty="0"/>
+              <a:t>, </a:t>
+            </a:r>
+            <a:r>
+              <a:rPr lang="ko-KR" altLang="en-US" sz="2000" dirty="0"/>
+              <a:t>구상 </a:t>
+            </a:r>
+            <a:r>
+              <a:rPr lang="en-US" altLang="ko-KR" sz="2000" dirty="0"/>
+              <a:t>Strategy</a:t>
+            </a:r>
+            <a:r>
+              <a:rPr lang="ko-KR" altLang="en-US" sz="2000" dirty="0"/>
+              <a:t>의 변경이 있어도</a:t>
+            </a:r>
+            <a:r>
+              <a:rPr lang="en-US" altLang="ko-KR" sz="2000" dirty="0"/>
+              <a:t>, </a:t>
+            </a:r>
+            <a:r>
+              <a:rPr lang="ko-KR" altLang="en-US" sz="2000" dirty="0"/>
+              <a:t>인터페이스의 구현만 유지된다면</a:t>
+            </a:r>
+            <a:r>
+              <a:rPr lang="en-US" altLang="ko-KR" sz="2000" dirty="0"/>
+              <a:t> </a:t>
+            </a:r>
+            <a:r>
+              <a:rPr lang="ko-KR" altLang="en-US" sz="2000" dirty="0"/>
+              <a:t>이를 사용하는 클래스들과 무관하게 클래스의 변경을 할 수 있어서 유연한 코딩이 가능하다</a:t>
+            </a:r>
+            <a:r>
+              <a:rPr lang="en-US" altLang="ko-KR" sz="2000" dirty="0"/>
+              <a:t>.</a:t>
+            </a:r>
+            <a:endParaRPr lang="ko-KR" altLang="en-US" sz="2000" dirty="0"/>
+          </a:p>
+        </p:txBody>
+      </p:sp>
+      <p:pic>
+        <p:nvPicPr>
+          <p:cNvPr id="4" name="그림 3">
+            <a:extLst>
+              <a:ext uri="{FF2B5EF4-FFF2-40B4-BE49-F238E27FC236}">
+                <a16:creationId xmlns:a16="http://schemas.microsoft.com/office/drawing/2014/main" id="{84E42D55-D94D-4DDC-B77C-1D9F3D8A8D0F}"/>
+              </a:ext>
+            </a:extLst>
+          </p:cNvPr>
+          <p:cNvPicPr>
+            <a:picLocks noChangeAspect="1"/>
+          </p:cNvPicPr>
+          <p:nvPr/>
+        </p:nvPicPr>
+        <p:blipFill>
+          <a:blip r:embed="rId2">
+            <a:extLst>
+              <a:ext uri="{28A0092B-C50C-407E-A947-70E740481C1C}">
+                <a14:useLocalDpi xmlns:a14="http://schemas.microsoft.com/office/drawing/2010/main" val="0"/>
+              </a:ext>
+            </a:extLst>
+          </a:blip>
+          <a:stretch>
+            <a:fillRect/>
+          </a:stretch>
+        </p:blipFill>
+        <p:spPr>
+          <a:xfrm>
+            <a:off x="6503182" y="4508277"/>
+            <a:ext cx="4469618" cy="1844292"/>
+          </a:xfrm>
+          <a:prstGeom prst="rect">
+            <a:avLst/>
+          </a:prstGeom>
+        </p:spPr>
+      </p:pic>
+      <p:sp>
+        <p:nvSpPr>
+          <p:cNvPr id="8" name="내용 개체 틀 7">
+            <a:extLst>
+              <a:ext uri="{FF2B5EF4-FFF2-40B4-BE49-F238E27FC236}">
+                <a16:creationId xmlns:a16="http://schemas.microsoft.com/office/drawing/2014/main" id="{A775B1FE-7683-4321-B8B5-860767EE2052}"/>
+              </a:ext>
+            </a:extLst>
+          </p:cNvPr>
+          <p:cNvSpPr>
+            <a:spLocks noGrp="1"/>
+          </p:cNvSpPr>
+          <p:nvPr>
+            <p:ph idx="1"/>
+          </p:nvPr>
+        </p:nvSpPr>
+        <p:spPr>
+          <a:xfrm>
+            <a:off x="1459080" y="1180052"/>
+            <a:ext cx="9601200" cy="3581400"/>
+          </a:xfrm>
+        </p:spPr>
+        <p:txBody>
+          <a:bodyPr/>
+          <a:lstStyle/>
+          <a:p>
+            <a:pPr marL="0" indent="0">
+              <a:buNone/>
+            </a:pPr>
+            <a:r>
+              <a:rPr lang="ko-KR" altLang="en-US" dirty="0"/>
+              <a:t>전략패턴은 알고리즘군을 정의하고 각각을 캡슐화 하여 교환해서 사용할 수 있도록 만든다</a:t>
+            </a:r>
+            <a:r>
+              <a:rPr lang="en-US" altLang="ko-KR" dirty="0"/>
+              <a:t>. </a:t>
+            </a:r>
+            <a:r>
+              <a:rPr lang="ko-KR" altLang="en-US" dirty="0"/>
+              <a:t>이를 활용하면 알고리즘을 사용하는 클라이언트와는 독립적으로 알고리즘을 변경할 수 있다</a:t>
+            </a:r>
+            <a:r>
+              <a:rPr lang="en-US" altLang="ko-KR" dirty="0"/>
+              <a:t>.</a:t>
+            </a:r>
+          </a:p>
+          <a:p>
+            <a:pPr marL="0" indent="0">
+              <a:buNone/>
+            </a:pPr>
+            <a:r>
+              <a:rPr lang="ko-KR" altLang="en-US" dirty="0"/>
+              <a:t>행동들이 조금씩 다를 뿐 개념적으로 관련된 많은 클래스들이 존재할 때</a:t>
+            </a:r>
+            <a:r>
+              <a:rPr lang="en-US" altLang="ko-KR" dirty="0"/>
+              <a:t>, </a:t>
+            </a:r>
+            <a:r>
+              <a:rPr lang="ko-KR" altLang="en-US" dirty="0"/>
+              <a:t>전략패턴은 많은 행동 중 하나를 가진 클래스를 구성할 수 있는 방법을 제공한다</a:t>
+            </a:r>
+            <a:r>
+              <a:rPr lang="en-US" altLang="ko-KR" dirty="0"/>
+              <a:t>.</a:t>
+            </a:r>
+          </a:p>
+          <a:p>
+            <a:pPr marL="0" indent="0">
+              <a:buNone/>
+            </a:pPr>
+            <a:r>
+              <a:rPr lang="en-US" altLang="ko-KR" dirty="0"/>
+              <a:t>Strategy </a:t>
+            </a:r>
+            <a:r>
+              <a:rPr lang="ko-KR" altLang="en-US" dirty="0"/>
+              <a:t>클래스는 제공하는 모든 알고리즘에 대한 공통의 연산들을 인터페이스로 정의한다</a:t>
+            </a:r>
+            <a:r>
+              <a:rPr lang="en-US" altLang="ko-KR" dirty="0"/>
+              <a:t>. Context </a:t>
+            </a:r>
+            <a:r>
+              <a:rPr lang="ko-KR" altLang="en-US" dirty="0"/>
+              <a:t>클래스는 구상 </a:t>
+            </a:r>
+            <a:r>
+              <a:rPr lang="en-US" altLang="ko-KR" dirty="0"/>
+              <a:t>Strategy </a:t>
+            </a:r>
+            <a:r>
+              <a:rPr lang="ko-KR" altLang="en-US" dirty="0"/>
+              <a:t>클래스에 정의한 인터페이스를 통해서 실제 알고리즘을 사용한다</a:t>
+            </a:r>
+            <a:r>
+              <a:rPr lang="en-US" altLang="ko-KR" dirty="0"/>
+              <a:t>.</a:t>
+            </a:r>
+            <a:r>
+              <a:rPr lang="ko-KR" altLang="en-US" dirty="0"/>
+              <a:t> </a:t>
+            </a:r>
+            <a:endParaRPr lang="en-US" altLang="ko-KR" dirty="0"/>
+          </a:p>
+          <a:p>
+            <a:pPr marL="0" indent="0">
+              <a:buNone/>
+            </a:pPr>
+            <a:r>
+              <a:rPr lang="en-US" altLang="ko-KR" dirty="0"/>
+              <a:t>Context </a:t>
+            </a:r>
+            <a:r>
+              <a:rPr lang="ko-KR" altLang="en-US" dirty="0"/>
+              <a:t>클래스는 구상 </a:t>
+            </a:r>
+            <a:r>
+              <a:rPr lang="en-US" altLang="ko-KR" dirty="0"/>
+              <a:t>Strategy</a:t>
+            </a:r>
+            <a:r>
+              <a:rPr lang="ko-KR" altLang="en-US" dirty="0"/>
+              <a:t>객체를 통해 구성되고</a:t>
+            </a:r>
+            <a:r>
+              <a:rPr lang="en-US" altLang="ko-KR" dirty="0"/>
+              <a:t>, </a:t>
+            </a:r>
+            <a:r>
+              <a:rPr lang="ko-KR" altLang="en-US" dirty="0"/>
+              <a:t>그 객체에 대한 참조자를 관리하고</a:t>
+            </a:r>
+            <a:r>
+              <a:rPr lang="en-US" altLang="ko-KR" dirty="0"/>
+              <a:t>, </a:t>
+            </a:r>
+            <a:r>
+              <a:rPr lang="ko-KR" altLang="en-US" dirty="0"/>
+              <a:t>실제 인스턴스를 갖고 있음으로써 구체화된다</a:t>
+            </a:r>
+            <a:r>
+              <a:rPr lang="en-US" altLang="ko-KR" dirty="0"/>
+              <a:t>.</a:t>
+            </a:r>
+          </a:p>
+        </p:txBody>
+      </p:sp>
+    </p:spTree>
+    <p:extLst>
+      <p:ext uri="{BB962C8B-B14F-4D97-AF65-F5344CB8AC3E}">
+        <p14:creationId xmlns:p14="http://schemas.microsoft.com/office/powerpoint/2010/main" val="3408887132"/>
+      </p:ext>
+    </p:extLst>
+  </p:cSld>
+  <p:clrMapOvr>
+    <a:masterClrMapping/>
+  </p:clrMapOvr>
+</p:sld>
+</file>
+
 <file path=ppt/slides/slide2.xml><?xml version="1.0" encoding="utf-8"?>
 <p:sld xmlns:a="http://schemas.openxmlformats.org/drawingml/2006/main" xmlns:r="http://schemas.openxmlformats.org/officeDocument/2006/relationships" xmlns:p="http://schemas.openxmlformats.org/presentationml/2006/main">
   <p:cSld>
@@ -5853,6 +7130,695 @@
     <p:extLst>
       <p:ext uri="{BB962C8B-B14F-4D97-AF65-F5344CB8AC3E}">
         <p14:creationId xmlns:p14="http://schemas.microsoft.com/office/powerpoint/2010/main" val="3870366471"/>
+      </p:ext>
+    </p:extLst>
+  </p:cSld>
+  <p:clrMapOvr>
+    <a:masterClrMapping/>
+  </p:clrMapOvr>
+</p:sld>
+</file>
+
+<file path=ppt/slides/slide8.xml><?xml version="1.0" encoding="utf-8"?>
+<p:sld xmlns:a="http://schemas.openxmlformats.org/drawingml/2006/main" xmlns:r="http://schemas.openxmlformats.org/officeDocument/2006/relationships" xmlns:p="http://schemas.openxmlformats.org/presentationml/2006/main">
+  <p:cSld>
+    <p:spTree>
+      <p:nvGrpSpPr>
+        <p:cNvPr id="1" name=""/>
+        <p:cNvGrpSpPr/>
+        <p:nvPr/>
+      </p:nvGrpSpPr>
+      <p:grpSpPr>
+        <a:xfrm>
+          <a:off x="0" y="0"/>
+          <a:ext cx="0" cy="0"/>
+          <a:chOff x="0" y="0"/>
+          <a:chExt cx="0" cy="0"/>
+        </a:xfrm>
+      </p:grpSpPr>
+      <p:sp>
+        <p:nvSpPr>
+          <p:cNvPr id="2" name="제목 1">
+            <a:extLst>
+              <a:ext uri="{FF2B5EF4-FFF2-40B4-BE49-F238E27FC236}">
+                <a16:creationId xmlns:a16="http://schemas.microsoft.com/office/drawing/2014/main" id="{8949615D-8BA6-46EB-B020-62AD07C37D1E}"/>
+              </a:ext>
+            </a:extLst>
+          </p:cNvPr>
+          <p:cNvSpPr>
+            <a:spLocks noGrp="1"/>
+          </p:cNvSpPr>
+          <p:nvPr>
+            <p:ph type="title"/>
+          </p:nvPr>
+        </p:nvSpPr>
+        <p:spPr>
+          <a:xfrm>
+            <a:off x="1371600" y="685800"/>
+            <a:ext cx="9601200" cy="1210112"/>
+          </a:xfrm>
+        </p:spPr>
+        <p:txBody>
+          <a:bodyPr>
+            <a:normAutofit fontScale="90000"/>
+          </a:bodyPr>
+          <a:lstStyle/>
+          <a:p>
+            <a:pPr algn="ctr"/>
+            <a:r>
+              <a:rPr lang="ko-KR" altLang="en-US" sz="5400" dirty="0"/>
+              <a:t>책임 연쇄</a:t>
+            </a:r>
+            <a:r>
+              <a:rPr lang="en-US" altLang="ko-KR" sz="5400" dirty="0"/>
+              <a:t>(Chain of Responsibility)</a:t>
+            </a:r>
+            <a:endParaRPr lang="ko-KR" altLang="en-US" sz="5400" dirty="0"/>
+          </a:p>
+        </p:txBody>
+      </p:sp>
+      <p:sp>
+        <p:nvSpPr>
+          <p:cNvPr id="7" name="내용 개체 틀 6">
+            <a:extLst>
+              <a:ext uri="{FF2B5EF4-FFF2-40B4-BE49-F238E27FC236}">
+                <a16:creationId xmlns:a16="http://schemas.microsoft.com/office/drawing/2014/main" id="{06942630-B531-4F09-9F62-8F7803A5931A}"/>
+              </a:ext>
+            </a:extLst>
+          </p:cNvPr>
+          <p:cNvSpPr>
+            <a:spLocks noGrp="1"/>
+          </p:cNvSpPr>
+          <p:nvPr>
+            <p:ph idx="1"/>
+          </p:nvPr>
+        </p:nvSpPr>
+        <p:spPr>
+          <a:xfrm>
+            <a:off x="1371600" y="1661021"/>
+            <a:ext cx="9601200" cy="2124744"/>
+          </a:xfrm>
+        </p:spPr>
+        <p:txBody>
+          <a:bodyPr>
+            <a:normAutofit/>
+          </a:bodyPr>
+          <a:lstStyle/>
+          <a:p>
+            <a:pPr marL="0" indent="0">
+              <a:buNone/>
+            </a:pPr>
+            <a:r>
+              <a:rPr lang="ko-KR" altLang="en-US" dirty="0"/>
+              <a:t>책임연쇄 패턴은 요청을 처리할 수 있는 기회를 하나 이상의 객체에게 부여함으로써 요청하는 객체와 처리하는 객체사이의 결합도를 없애는 패턴이다</a:t>
+            </a:r>
+            <a:r>
+              <a:rPr lang="en-US" altLang="ko-KR" dirty="0"/>
+              <a:t>.</a:t>
+            </a:r>
+          </a:p>
+          <a:p>
+            <a:pPr marL="0" indent="0">
+              <a:buNone/>
+            </a:pPr>
+            <a:r>
+              <a:rPr lang="ko-KR" altLang="en-US" dirty="0"/>
+              <a:t>메시지 송신자는 메시지를 처리해야 할 개체가 속한 집합체에 메시지를 전달하고 처리하게 한다</a:t>
+            </a:r>
+            <a:r>
+              <a:rPr lang="en-US" altLang="ko-KR" dirty="0"/>
+              <a:t>.</a:t>
+            </a:r>
+          </a:p>
+          <a:p>
+            <a:pPr marL="0" indent="0">
+              <a:buNone/>
+            </a:pPr>
+            <a:r>
+              <a:rPr lang="ko-KR" altLang="en-US" dirty="0"/>
+              <a:t>특정 개체에게 메시지가 전달되면 그 객체는 자신이 처리 할 수 있는지 확인을 하고</a:t>
+            </a:r>
+            <a:r>
+              <a:rPr lang="en-US" altLang="ko-KR" dirty="0"/>
+              <a:t>, </a:t>
+            </a:r>
+            <a:r>
+              <a:rPr lang="ko-KR" altLang="en-US" dirty="0"/>
+              <a:t>자신이 처리할 수 있으면 처리를 하고</a:t>
+            </a:r>
+            <a:r>
+              <a:rPr lang="en-US" altLang="ko-KR" dirty="0"/>
+              <a:t>, </a:t>
+            </a:r>
+            <a:r>
+              <a:rPr lang="ko-KR" altLang="en-US" dirty="0"/>
+              <a:t>그렇지 않으면 다음 개체에게 메시지를 전달하</a:t>
+            </a:r>
+            <a:endParaRPr lang="en-US" altLang="ko-KR" dirty="0"/>
+          </a:p>
+        </p:txBody>
+      </p:sp>
+      <p:sp>
+        <p:nvSpPr>
+          <p:cNvPr id="14" name="TextBox 13">
+            <a:extLst>
+              <a:ext uri="{FF2B5EF4-FFF2-40B4-BE49-F238E27FC236}">
+                <a16:creationId xmlns:a16="http://schemas.microsoft.com/office/drawing/2014/main" id="{20866A31-7931-4511-BE17-317806D0263F}"/>
+              </a:ext>
+            </a:extLst>
+          </p:cNvPr>
+          <p:cNvSpPr txBox="1"/>
+          <p:nvPr/>
+        </p:nvSpPr>
+        <p:spPr>
+          <a:xfrm>
+            <a:off x="6518187" y="6162306"/>
+            <a:ext cx="4492487" cy="369332"/>
+          </a:xfrm>
+          <a:prstGeom prst="rect">
+            <a:avLst/>
+          </a:prstGeom>
+          <a:noFill/>
+        </p:spPr>
+        <p:txBody>
+          <a:bodyPr wrap="square" rtlCol="0">
+            <a:spAutoFit/>
+          </a:bodyPr>
+          <a:lstStyle/>
+          <a:p>
+            <a:pPr algn="ctr"/>
+            <a:r>
+              <a:rPr lang="ko-KR" altLang="en-US" dirty="0"/>
+              <a:t>△책임연쇄 패턴의 </a:t>
+            </a:r>
+            <a:r>
+              <a:rPr lang="en-US" altLang="ko-KR" dirty="0"/>
+              <a:t>Class Diagram</a:t>
+            </a:r>
+            <a:endParaRPr lang="ko-KR" altLang="en-US" dirty="0"/>
+          </a:p>
+        </p:txBody>
+      </p:sp>
+      <p:sp>
+        <p:nvSpPr>
+          <p:cNvPr id="6" name="TextBox 5">
+            <a:extLst>
+              <a:ext uri="{FF2B5EF4-FFF2-40B4-BE49-F238E27FC236}">
+                <a16:creationId xmlns:a16="http://schemas.microsoft.com/office/drawing/2014/main" id="{01220525-C73F-47DA-859C-BBA011AA9299}"/>
+              </a:ext>
+            </a:extLst>
+          </p:cNvPr>
+          <p:cNvSpPr txBox="1"/>
+          <p:nvPr/>
+        </p:nvSpPr>
+        <p:spPr>
+          <a:xfrm>
+            <a:off x="1371600" y="3747665"/>
+            <a:ext cx="5364760" cy="3477875"/>
+          </a:xfrm>
+          <a:prstGeom prst="rect">
+            <a:avLst/>
+          </a:prstGeom>
+          <a:noFill/>
+        </p:spPr>
+        <p:txBody>
+          <a:bodyPr wrap="square" rtlCol="0">
+            <a:spAutoFit/>
+          </a:bodyPr>
+          <a:lstStyle/>
+          <a:p>
+            <a:r>
+              <a:rPr lang="ko-KR" altLang="en-US" sz="2000" dirty="0"/>
+              <a:t>는 형태이다</a:t>
+            </a:r>
+            <a:r>
+              <a:rPr lang="en-US" altLang="ko-KR" sz="2000" dirty="0"/>
+              <a:t>. </a:t>
+            </a:r>
+            <a:r>
+              <a:rPr lang="ko-KR" altLang="en-US" sz="2000" dirty="0"/>
+              <a:t>책임 연쇄 패턴은 다음의 경우에 사용한다</a:t>
+            </a:r>
+            <a:r>
+              <a:rPr lang="en-US" altLang="ko-KR" sz="2000" dirty="0"/>
+              <a:t>. </a:t>
+            </a:r>
+          </a:p>
+          <a:p>
+            <a:pPr marL="342900" indent="-342900">
+              <a:buFont typeface="Arial" panose="020B0604020202020204" pitchFamily="34" charset="0"/>
+              <a:buChar char="•"/>
+            </a:pPr>
+            <a:r>
+              <a:rPr lang="ko-KR" altLang="en-US" sz="2000" dirty="0"/>
+              <a:t>하나 이상의 객체가 요청을 처리해야 하고</a:t>
+            </a:r>
+            <a:r>
+              <a:rPr lang="en-US" altLang="ko-KR" sz="2000" dirty="0"/>
+              <a:t>, </a:t>
+            </a:r>
+            <a:r>
+              <a:rPr lang="ko-KR" altLang="en-US" sz="2000" dirty="0"/>
+              <a:t>그 요청 처리자 중 어떤 것이 </a:t>
+            </a:r>
+            <a:r>
+              <a:rPr lang="ko-KR" altLang="en-US" sz="2000" dirty="0" err="1"/>
+              <a:t>선행자</a:t>
+            </a:r>
+            <a:r>
+              <a:rPr lang="ko-KR" altLang="en-US" sz="2000" dirty="0"/>
+              <a:t> 인지 모를 때</a:t>
+            </a:r>
+            <a:r>
+              <a:rPr lang="en-US" altLang="ko-KR" sz="2000" dirty="0"/>
+              <a:t>,</a:t>
+            </a:r>
+            <a:r>
+              <a:rPr lang="ko-KR" altLang="en-US" sz="2000" dirty="0"/>
+              <a:t> 처리자가 자동으로 확정된다</a:t>
+            </a:r>
+            <a:r>
+              <a:rPr lang="en-US" altLang="ko-KR" sz="2000" dirty="0"/>
+              <a:t>.</a:t>
+            </a:r>
+          </a:p>
+          <a:p>
+            <a:pPr marL="342900" indent="-342900">
+              <a:buFont typeface="Arial" panose="020B0604020202020204" pitchFamily="34" charset="0"/>
+              <a:buChar char="•"/>
+            </a:pPr>
+            <a:r>
+              <a:rPr lang="ko-KR" altLang="en-US" sz="2000" dirty="0"/>
+              <a:t>메시지를 받을 객체를 명시하지 않은 채 여러 객체 중 하나에게 처리를 요청하고 싶을 때</a:t>
+            </a:r>
+            <a:endParaRPr lang="en-US" altLang="ko-KR" sz="2000" dirty="0"/>
+          </a:p>
+          <a:p>
+            <a:pPr marL="342900" indent="-342900">
+              <a:buFont typeface="Arial" panose="020B0604020202020204" pitchFamily="34" charset="0"/>
+              <a:buChar char="•"/>
+            </a:pPr>
+            <a:r>
+              <a:rPr lang="ko-KR" altLang="en-US" sz="2000" dirty="0"/>
+              <a:t>요청을 처리할 수 있는 객체 집합이 동적으로 정의되어야 할 때</a:t>
+            </a:r>
+            <a:endParaRPr lang="en-US" altLang="ko-KR" sz="2000" dirty="0"/>
+          </a:p>
+          <a:p>
+            <a:endParaRPr lang="ko-KR" altLang="en-US" sz="2000" dirty="0"/>
+          </a:p>
+        </p:txBody>
+      </p:sp>
+      <p:pic>
+        <p:nvPicPr>
+          <p:cNvPr id="4" name="그림 3">
+            <a:extLst>
+              <a:ext uri="{FF2B5EF4-FFF2-40B4-BE49-F238E27FC236}">
+                <a16:creationId xmlns:a16="http://schemas.microsoft.com/office/drawing/2014/main" id="{04FC3D87-5C6C-4088-8D77-9DE9F2CC612A}"/>
+              </a:ext>
+            </a:extLst>
+          </p:cNvPr>
+          <p:cNvPicPr>
+            <a:picLocks noChangeAspect="1"/>
+          </p:cNvPicPr>
+          <p:nvPr/>
+        </p:nvPicPr>
+        <p:blipFill>
+          <a:blip r:embed="rId2">
+            <a:extLst>
+              <a:ext uri="{28A0092B-C50C-407E-A947-70E740481C1C}">
+                <a14:useLocalDpi xmlns:a14="http://schemas.microsoft.com/office/drawing/2010/main" val="0"/>
+              </a:ext>
+            </a:extLst>
+          </a:blip>
+          <a:stretch>
+            <a:fillRect/>
+          </a:stretch>
+        </p:blipFill>
+        <p:spPr>
+          <a:xfrm>
+            <a:off x="7115810" y="3890629"/>
+            <a:ext cx="3303679" cy="2241782"/>
+          </a:xfrm>
+          <a:prstGeom prst="rect">
+            <a:avLst/>
+          </a:prstGeom>
+        </p:spPr>
+      </p:pic>
+    </p:spTree>
+    <p:extLst>
+      <p:ext uri="{BB962C8B-B14F-4D97-AF65-F5344CB8AC3E}">
+        <p14:creationId xmlns:p14="http://schemas.microsoft.com/office/powerpoint/2010/main" val="11239279"/>
+      </p:ext>
+    </p:extLst>
+  </p:cSld>
+  <p:clrMapOvr>
+    <a:masterClrMapping/>
+  </p:clrMapOvr>
+</p:sld>
+</file>
+
+<file path=ppt/slides/slide9.xml><?xml version="1.0" encoding="utf-8"?>
+<p:sld xmlns:a="http://schemas.openxmlformats.org/drawingml/2006/main" xmlns:r="http://schemas.openxmlformats.org/officeDocument/2006/relationships" xmlns:p="http://schemas.openxmlformats.org/presentationml/2006/main">
+  <p:cSld>
+    <p:spTree>
+      <p:nvGrpSpPr>
+        <p:cNvPr id="1" name=""/>
+        <p:cNvGrpSpPr/>
+        <p:nvPr/>
+      </p:nvGrpSpPr>
+      <p:grpSpPr>
+        <a:xfrm>
+          <a:off x="0" y="0"/>
+          <a:ext cx="0" cy="0"/>
+          <a:chOff x="0" y="0"/>
+          <a:chExt cx="0" cy="0"/>
+        </a:xfrm>
+      </p:grpSpPr>
+      <p:sp>
+        <p:nvSpPr>
+          <p:cNvPr id="2" name="제목 1">
+            <a:extLst>
+              <a:ext uri="{FF2B5EF4-FFF2-40B4-BE49-F238E27FC236}">
+                <a16:creationId xmlns:a16="http://schemas.microsoft.com/office/drawing/2014/main" id="{8949615D-8BA6-46EB-B020-62AD07C37D1E}"/>
+              </a:ext>
+            </a:extLst>
+          </p:cNvPr>
+          <p:cNvSpPr>
+            <a:spLocks noGrp="1"/>
+          </p:cNvSpPr>
+          <p:nvPr>
+            <p:ph type="title"/>
+          </p:nvPr>
+        </p:nvSpPr>
+        <p:spPr>
+          <a:xfrm>
+            <a:off x="1371600" y="685800"/>
+            <a:ext cx="9601200" cy="1210112"/>
+          </a:xfrm>
+        </p:spPr>
+        <p:txBody>
+          <a:bodyPr>
+            <a:normAutofit/>
+          </a:bodyPr>
+          <a:lstStyle/>
+          <a:p>
+            <a:pPr algn="ctr"/>
+            <a:r>
+              <a:rPr lang="ko-KR" altLang="en-US" sz="5400" dirty="0"/>
+              <a:t>명령</a:t>
+            </a:r>
+            <a:r>
+              <a:rPr lang="en-US" altLang="ko-KR" sz="5400" dirty="0"/>
+              <a:t>(Command)</a:t>
+            </a:r>
+            <a:endParaRPr lang="ko-KR" altLang="en-US" sz="5400" dirty="0"/>
+          </a:p>
+        </p:txBody>
+      </p:sp>
+      <p:sp>
+        <p:nvSpPr>
+          <p:cNvPr id="7" name="내용 개체 틀 6">
+            <a:extLst>
+              <a:ext uri="{FF2B5EF4-FFF2-40B4-BE49-F238E27FC236}">
+                <a16:creationId xmlns:a16="http://schemas.microsoft.com/office/drawing/2014/main" id="{06942630-B531-4F09-9F62-8F7803A5931A}"/>
+              </a:ext>
+            </a:extLst>
+          </p:cNvPr>
+          <p:cNvSpPr>
+            <a:spLocks noGrp="1"/>
+          </p:cNvSpPr>
+          <p:nvPr>
+            <p:ph idx="1"/>
+          </p:nvPr>
+        </p:nvSpPr>
+        <p:spPr>
+          <a:xfrm>
+            <a:off x="1371600" y="1661020"/>
+            <a:ext cx="9601200" cy="2441197"/>
+          </a:xfrm>
+        </p:spPr>
+        <p:txBody>
+          <a:bodyPr>
+            <a:normAutofit/>
+          </a:bodyPr>
+          <a:lstStyle/>
+          <a:p>
+            <a:pPr marL="0" indent="0">
+              <a:buNone/>
+            </a:pPr>
+            <a:r>
+              <a:rPr lang="ko-KR" altLang="en-US" dirty="0"/>
+              <a:t>명령 패턴은 요구 사항을 객체로 캡슐화 할 수 있으며</a:t>
+            </a:r>
+            <a:r>
+              <a:rPr lang="en-US" altLang="ko-KR" dirty="0"/>
+              <a:t>, </a:t>
+            </a:r>
+            <a:r>
+              <a:rPr lang="ko-KR" altLang="en-US" dirty="0"/>
+              <a:t>매개변수를 써서 여러 가지 다른 요구 사항을 집어넣을 수도 있다</a:t>
+            </a:r>
+            <a:r>
+              <a:rPr lang="en-US" altLang="ko-KR" dirty="0"/>
+              <a:t>. </a:t>
+            </a:r>
+            <a:r>
+              <a:rPr lang="ko-KR" altLang="en-US" dirty="0"/>
+              <a:t>또한 요청 내역을 저장하거나 로그로 기록할 수 있으며</a:t>
+            </a:r>
+            <a:r>
+              <a:rPr lang="en-US" altLang="ko-KR" dirty="0"/>
+              <a:t>, </a:t>
+            </a:r>
+            <a:r>
+              <a:rPr lang="ko-KR" altLang="en-US" dirty="0"/>
+              <a:t>작업취소 기능도 지원 가능하다</a:t>
+            </a:r>
+            <a:r>
+              <a:rPr lang="en-US" altLang="ko-KR" dirty="0"/>
+              <a:t>.</a:t>
+            </a:r>
+          </a:p>
+          <a:p>
+            <a:pPr marL="0" indent="0">
+              <a:buNone/>
+            </a:pPr>
+            <a:r>
+              <a:rPr lang="ko-KR" altLang="en-US" dirty="0"/>
+              <a:t>사용자는 구상 커맨드 객체를 만든 후</a:t>
+            </a:r>
+            <a:r>
+              <a:rPr lang="en-US" altLang="ko-KR" dirty="0"/>
+              <a:t>, </a:t>
+            </a:r>
+            <a:r>
+              <a:rPr lang="ko-KR" altLang="en-US" dirty="0"/>
+              <a:t>이를 수신자로 지정한다</a:t>
+            </a:r>
+            <a:r>
+              <a:rPr lang="en-US" altLang="ko-KR" dirty="0"/>
+              <a:t>.</a:t>
+            </a:r>
+          </a:p>
+          <a:p>
+            <a:pPr marL="0" indent="0">
+              <a:buNone/>
+            </a:pPr>
+            <a:r>
+              <a:rPr lang="en-US" altLang="ko-KR" dirty="0"/>
+              <a:t>Invoker </a:t>
+            </a:r>
+            <a:r>
+              <a:rPr lang="ko-KR" altLang="en-US" dirty="0"/>
+              <a:t>클래스는 구상 커맨드 객체를 저장하고</a:t>
+            </a:r>
+            <a:r>
+              <a:rPr lang="en-US" altLang="ko-KR" dirty="0"/>
+              <a:t>, </a:t>
+            </a:r>
+            <a:r>
+              <a:rPr lang="ko-KR" altLang="en-US" dirty="0"/>
+              <a:t>커맨드에 정의된 </a:t>
+            </a:r>
+            <a:r>
+              <a:rPr lang="en-US" altLang="ko-KR" dirty="0"/>
+              <a:t>Execute </a:t>
+            </a:r>
+            <a:r>
+              <a:rPr lang="ko-KR" altLang="en-US" dirty="0"/>
+              <a:t>함수를 호출하여 요청을 발생시킨다</a:t>
+            </a:r>
+            <a:r>
+              <a:rPr lang="en-US" altLang="ko-KR" dirty="0"/>
+              <a:t>. </a:t>
+            </a:r>
+            <a:r>
+              <a:rPr lang="ko-KR" altLang="en-US" dirty="0"/>
+              <a:t>이 때 명령을 저장하였다가 필요하다면 취소 명령으로 다시 되돌릴 수 있다</a:t>
+            </a:r>
+            <a:r>
+              <a:rPr lang="en-US" altLang="ko-KR" dirty="0"/>
+              <a:t>.</a:t>
+            </a:r>
+          </a:p>
+        </p:txBody>
+      </p:sp>
+      <p:sp>
+        <p:nvSpPr>
+          <p:cNvPr id="14" name="TextBox 13">
+            <a:extLst>
+              <a:ext uri="{FF2B5EF4-FFF2-40B4-BE49-F238E27FC236}">
+                <a16:creationId xmlns:a16="http://schemas.microsoft.com/office/drawing/2014/main" id="{20866A31-7931-4511-BE17-317806D0263F}"/>
+              </a:ext>
+            </a:extLst>
+          </p:cNvPr>
+          <p:cNvSpPr txBox="1"/>
+          <p:nvPr/>
+        </p:nvSpPr>
+        <p:spPr>
+          <a:xfrm>
+            <a:off x="6742769" y="5834479"/>
+            <a:ext cx="4492487" cy="369332"/>
+          </a:xfrm>
+          <a:prstGeom prst="rect">
+            <a:avLst/>
+          </a:prstGeom>
+          <a:noFill/>
+        </p:spPr>
+        <p:txBody>
+          <a:bodyPr wrap="square" rtlCol="0">
+            <a:spAutoFit/>
+          </a:bodyPr>
+          <a:lstStyle/>
+          <a:p>
+            <a:pPr algn="ctr"/>
+            <a:r>
+              <a:rPr lang="ko-KR" altLang="en-US" dirty="0"/>
+              <a:t>△명령패턴의 </a:t>
+            </a:r>
+            <a:r>
+              <a:rPr lang="en-US" altLang="ko-KR" dirty="0"/>
+              <a:t>Class Diagram</a:t>
+            </a:r>
+            <a:endParaRPr lang="ko-KR" altLang="en-US" dirty="0"/>
+          </a:p>
+        </p:txBody>
+      </p:sp>
+      <p:pic>
+        <p:nvPicPr>
+          <p:cNvPr id="5" name="그림 4">
+            <a:extLst>
+              <a:ext uri="{FF2B5EF4-FFF2-40B4-BE49-F238E27FC236}">
+                <a16:creationId xmlns:a16="http://schemas.microsoft.com/office/drawing/2014/main" id="{3B2912B6-65BD-4AC0-821A-261D5673833E}"/>
+              </a:ext>
+            </a:extLst>
+          </p:cNvPr>
+          <p:cNvPicPr>
+            <a:picLocks noChangeAspect="1"/>
+          </p:cNvPicPr>
+          <p:nvPr/>
+        </p:nvPicPr>
+        <p:blipFill>
+          <a:blip r:embed="rId2">
+            <a:extLst>
+              <a:ext uri="{28A0092B-C50C-407E-A947-70E740481C1C}">
+                <a14:useLocalDpi xmlns:a14="http://schemas.microsoft.com/office/drawing/2010/main" val="0"/>
+              </a:ext>
+            </a:extLst>
+          </a:blip>
+          <a:stretch>
+            <a:fillRect/>
+          </a:stretch>
+        </p:blipFill>
+        <p:spPr>
+          <a:xfrm>
+            <a:off x="6429997" y="4035105"/>
+            <a:ext cx="5118032" cy="1799374"/>
+          </a:xfrm>
+          <a:prstGeom prst="rect">
+            <a:avLst/>
+          </a:prstGeom>
+        </p:spPr>
+      </p:pic>
+      <p:sp>
+        <p:nvSpPr>
+          <p:cNvPr id="9" name="TextBox 8">
+            <a:extLst>
+              <a:ext uri="{FF2B5EF4-FFF2-40B4-BE49-F238E27FC236}">
+                <a16:creationId xmlns:a16="http://schemas.microsoft.com/office/drawing/2014/main" id="{D5B3E4D4-D9F2-4CA6-A3B2-098344520BA7}"/>
+              </a:ext>
+            </a:extLst>
+          </p:cNvPr>
+          <p:cNvSpPr txBox="1"/>
+          <p:nvPr/>
+        </p:nvSpPr>
+        <p:spPr>
+          <a:xfrm>
+            <a:off x="1371600" y="4035105"/>
+            <a:ext cx="5058397" cy="1938992"/>
+          </a:xfrm>
+          <a:prstGeom prst="rect">
+            <a:avLst/>
+          </a:prstGeom>
+          <a:noFill/>
+        </p:spPr>
+        <p:txBody>
+          <a:bodyPr wrap="square" rtlCol="0">
+            <a:spAutoFit/>
+          </a:bodyPr>
+          <a:lstStyle/>
+          <a:p>
+            <a:r>
+              <a:rPr lang="ko-KR" altLang="en-US" sz="2000" dirty="0"/>
+              <a:t>구상 커맨드 객체는 </a:t>
+            </a:r>
+            <a:r>
+              <a:rPr lang="en-US" altLang="ko-KR" sz="2000" dirty="0"/>
+              <a:t>Invoker</a:t>
+            </a:r>
+            <a:r>
+              <a:rPr lang="ko-KR" altLang="en-US" sz="2000" dirty="0"/>
+              <a:t>의 </a:t>
+            </a:r>
+            <a:r>
+              <a:rPr lang="en-US" altLang="ko-KR" sz="2000" dirty="0"/>
+              <a:t>Execute</a:t>
+            </a:r>
+            <a:r>
+              <a:rPr lang="ko-KR" altLang="en-US" sz="2000" dirty="0"/>
+              <a:t>가 호출 되면 실제 처리할 객체인 </a:t>
+            </a:r>
+            <a:r>
+              <a:rPr lang="en-US" altLang="ko-KR" sz="2000" dirty="0"/>
+              <a:t>Receiver</a:t>
+            </a:r>
+            <a:r>
+              <a:rPr lang="ko-KR" altLang="en-US" sz="2000" dirty="0"/>
+              <a:t>에 정의된 연산을 호출한다</a:t>
+            </a:r>
+            <a:r>
+              <a:rPr lang="en-US" altLang="ko-KR" sz="2000" dirty="0"/>
+              <a:t>.</a:t>
+            </a:r>
+          </a:p>
+          <a:p>
+            <a:r>
+              <a:rPr lang="ko-KR" altLang="en-US" sz="2000" dirty="0"/>
+              <a:t>이를 통해 연산을 호출하는 객체와 연산 수행 방법을 구현하는 객체를 분리 할 수 있다</a:t>
+            </a:r>
+            <a:r>
+              <a:rPr lang="en-US" altLang="ko-KR" sz="2000" dirty="0"/>
+              <a:t>.</a:t>
+            </a:r>
+            <a:endParaRPr lang="ko-KR" altLang="en-US" sz="2000" dirty="0"/>
+          </a:p>
+        </p:txBody>
+      </p:sp>
+    </p:spTree>
+    <p:extLst>
+      <p:ext uri="{BB962C8B-B14F-4D97-AF65-F5344CB8AC3E}">
+        <p14:creationId xmlns:p14="http://schemas.microsoft.com/office/powerpoint/2010/main" val="3479787309"/>
       </p:ext>
     </p:extLst>
   </p:cSld>
